--- a/giao-an/buoi5/BUỔI 5 USESTATE & EVENT HANDLING.pptx
+++ b/giao-an/buoi5/BUỔI 5 USESTATE & EVENT HANDLING.pptx
@@ -8,35 +8,36 @@
     <p:sldId id="256" r:id="rId2"/>
     <p:sldId id="257" r:id="rId3"/>
     <p:sldId id="259" r:id="rId4"/>
-    <p:sldId id="280" r:id="rId5"/>
-    <p:sldId id="275" r:id="rId6"/>
-    <p:sldId id="281" r:id="rId7"/>
-    <p:sldId id="282" r:id="rId8"/>
-    <p:sldId id="260" r:id="rId9"/>
-    <p:sldId id="270" r:id="rId10"/>
-    <p:sldId id="276" r:id="rId11"/>
-    <p:sldId id="277" r:id="rId12"/>
-    <p:sldId id="278" r:id="rId13"/>
-    <p:sldId id="283" r:id="rId14"/>
-    <p:sldId id="279" r:id="rId15"/>
+    <p:sldId id="284" r:id="rId5"/>
+    <p:sldId id="280" r:id="rId6"/>
+    <p:sldId id="275" r:id="rId7"/>
+    <p:sldId id="285" r:id="rId8"/>
+    <p:sldId id="281" r:id="rId9"/>
+    <p:sldId id="282" r:id="rId10"/>
+    <p:sldId id="260" r:id="rId11"/>
+    <p:sldId id="270" r:id="rId12"/>
+    <p:sldId id="276" r:id="rId13"/>
+    <p:sldId id="277" r:id="rId14"/>
+    <p:sldId id="278" r:id="rId15"/>
+    <p:sldId id="283" r:id="rId16"/>
   </p:sldIdLst>
   <p:sldSz cx="18288000" cy="10287000"/>
   <p:notesSz cx="6858000" cy="9144000"/>
   <p:embeddedFontLst>
     <p:embeddedFont>
-      <p:font typeface="Calibri" panose="020F0502020204030204" pitchFamily="34" charset="0"/>
-      <p:regular r:id="rId16"/>
-      <p:bold r:id="rId17"/>
-      <p:italic r:id="rId18"/>
-      <p:boldItalic r:id="rId19"/>
-    </p:embeddedFont>
-    <p:embeddedFont>
       <p:font typeface="Bricolage Grotesque" panose="020B0604020202020204" charset="0"/>
-      <p:regular r:id="rId20"/>
+      <p:regular r:id="rId17"/>
     </p:embeddedFont>
     <p:embeddedFont>
       <p:font typeface="Bricolage Grotesque Bold" panose="020B0604020202020204" charset="0"/>
-      <p:regular r:id="rId21"/>
+      <p:regular r:id="rId18"/>
+    </p:embeddedFont>
+    <p:embeddedFont>
+      <p:font typeface="Calibri" panose="020F0502020204030204" pitchFamily="34" charset="0"/>
+      <p:regular r:id="rId19"/>
+      <p:bold r:id="rId20"/>
+      <p:italic r:id="rId21"/>
+      <p:boldItalic r:id="rId22"/>
     </p:embeddedFont>
   </p:embeddedFontLst>
   <p:defaultTextStyle>
@@ -335,7 +336,7 @@
             <a:fld id="{1D8BD707-D9CF-40AE-B4C6-C98DA3205C09}" type="datetimeFigureOut">
               <a:rPr lang="en-US" smtClean="0"/>
               <a:pPr/>
-              <a:t>2026-01-03</a:t>
+              <a:t>2026-01-16</a:t>
             </a:fld>
             <a:endParaRPr lang="en-US"/>
           </a:p>
@@ -502,7 +503,7 @@
             <a:fld id="{1D8BD707-D9CF-40AE-B4C6-C98DA3205C09}" type="datetimeFigureOut">
               <a:rPr lang="en-US" smtClean="0"/>
               <a:pPr/>
-              <a:t>2026-01-03</a:t>
+              <a:t>2026-01-16</a:t>
             </a:fld>
             <a:endParaRPr lang="en-US"/>
           </a:p>
@@ -679,7 +680,7 @@
             <a:fld id="{1D8BD707-D9CF-40AE-B4C6-C98DA3205C09}" type="datetimeFigureOut">
               <a:rPr lang="en-US" smtClean="0"/>
               <a:pPr/>
-              <a:t>2026-01-03</a:t>
+              <a:t>2026-01-16</a:t>
             </a:fld>
             <a:endParaRPr lang="en-US"/>
           </a:p>
@@ -846,7 +847,7 @@
             <a:fld id="{1D8BD707-D9CF-40AE-B4C6-C98DA3205C09}" type="datetimeFigureOut">
               <a:rPr lang="en-US" smtClean="0"/>
               <a:pPr/>
-              <a:t>2026-01-03</a:t>
+              <a:t>2026-01-16</a:t>
             </a:fld>
             <a:endParaRPr lang="en-US"/>
           </a:p>
@@ -1089,7 +1090,7 @@
             <a:fld id="{1D8BD707-D9CF-40AE-B4C6-C98DA3205C09}" type="datetimeFigureOut">
               <a:rPr lang="en-US" smtClean="0"/>
               <a:pPr/>
-              <a:t>2026-01-03</a:t>
+              <a:t>2026-01-16</a:t>
             </a:fld>
             <a:endParaRPr lang="en-US"/>
           </a:p>
@@ -1374,7 +1375,7 @@
             <a:fld id="{1D8BD707-D9CF-40AE-B4C6-C98DA3205C09}" type="datetimeFigureOut">
               <a:rPr lang="en-US" smtClean="0"/>
               <a:pPr/>
-              <a:t>2026-01-03</a:t>
+              <a:t>2026-01-16</a:t>
             </a:fld>
             <a:endParaRPr lang="en-US"/>
           </a:p>
@@ -1793,7 +1794,7 @@
             <a:fld id="{1D8BD707-D9CF-40AE-B4C6-C98DA3205C09}" type="datetimeFigureOut">
               <a:rPr lang="en-US" smtClean="0"/>
               <a:pPr/>
-              <a:t>2026-01-03</a:t>
+              <a:t>2026-01-16</a:t>
             </a:fld>
             <a:endParaRPr lang="en-US"/>
           </a:p>
@@ -1908,7 +1909,7 @@
             <a:fld id="{1D8BD707-D9CF-40AE-B4C6-C98DA3205C09}" type="datetimeFigureOut">
               <a:rPr lang="en-US" smtClean="0"/>
               <a:pPr/>
-              <a:t>2026-01-03</a:t>
+              <a:t>2026-01-16</a:t>
             </a:fld>
             <a:endParaRPr lang="en-US"/>
           </a:p>
@@ -2000,7 +2001,7 @@
             <a:fld id="{1D8BD707-D9CF-40AE-B4C6-C98DA3205C09}" type="datetimeFigureOut">
               <a:rPr lang="en-US" smtClean="0"/>
               <a:pPr/>
-              <a:t>2026-01-03</a:t>
+              <a:t>2026-01-16</a:t>
             </a:fld>
             <a:endParaRPr lang="en-US"/>
           </a:p>
@@ -2274,7 +2275,7 @@
             <a:fld id="{1D8BD707-D9CF-40AE-B4C6-C98DA3205C09}" type="datetimeFigureOut">
               <a:rPr lang="en-US" smtClean="0"/>
               <a:pPr/>
-              <a:t>2026-01-03</a:t>
+              <a:t>2026-01-16</a:t>
             </a:fld>
             <a:endParaRPr lang="en-US"/>
           </a:p>
@@ -2524,7 +2525,7 @@
             <a:fld id="{1D8BD707-D9CF-40AE-B4C6-C98DA3205C09}" type="datetimeFigureOut">
               <a:rPr lang="en-US" smtClean="0"/>
               <a:pPr/>
-              <a:t>2026-01-03</a:t>
+              <a:t>2026-01-16</a:t>
             </a:fld>
             <a:endParaRPr lang="en-US"/>
           </a:p>
@@ -2734,7 +2735,7 @@
             <a:fld id="{1D8BD707-D9CF-40AE-B4C6-C98DA3205C09}" type="datetimeFigureOut">
               <a:rPr lang="en-US" smtClean="0"/>
               <a:pPr/>
-              <a:t>2026-01-03</a:t>
+              <a:t>2026-01-16</a:t>
             </a:fld>
             <a:endParaRPr lang="en-US"/>
           </a:p>
@@ -3169,7 +3170,7 @@
               <a:blip r:embed="rId2">
                 <a:extLst>
                   <a:ext uri="{96DAC541-7B7A-43D3-8B79-37D633B846F1}">
-                    <asvg:svgBlip xmlns:asvg="http://schemas.microsoft.com/office/drawing/2016/SVG/main" xmlns="" r:embed="rId4"/>
+                    <asvg:svgBlip xmlns="" xmlns:asvg="http://schemas.microsoft.com/office/drawing/2016/SVG/main" r:embed="rId4"/>
                   </a:ext>
                 </a:extLst>
               </a:blip>
@@ -3352,6 +3353,813 @@
 <file path=ppt/slides/slide10.xml><?xml version="1.0" encoding="utf-8"?>
 <p:sld xmlns:a="http://schemas.openxmlformats.org/drawingml/2006/main" xmlns:r="http://schemas.openxmlformats.org/officeDocument/2006/relationships" xmlns:p="http://schemas.openxmlformats.org/presentationml/2006/main">
   <p:cSld>
+    <p:bg>
+      <p:bgPr>
+        <a:solidFill>
+          <a:srgbClr val="F7F7F7"/>
+        </a:solidFill>
+        <a:effectLst/>
+      </p:bgPr>
+    </p:bg>
+    <p:spTree>
+      <p:nvGrpSpPr>
+        <p:cNvPr id="1" name=""/>
+        <p:cNvGrpSpPr/>
+        <p:nvPr/>
+      </p:nvGrpSpPr>
+      <p:grpSpPr>
+        <a:xfrm>
+          <a:off x="0" y="0"/>
+          <a:ext cx="0" cy="0"/>
+          <a:chOff x="0" y="0"/>
+          <a:chExt cx="0" cy="0"/>
+        </a:xfrm>
+      </p:grpSpPr>
+      <p:sp>
+        <p:nvSpPr>
+          <p:cNvPr id="8" name="TextBox 3"/>
+          <p:cNvSpPr txBox="1"/>
+          <p:nvPr/>
+        </p:nvSpPr>
+        <p:spPr>
+          <a:xfrm>
+            <a:off x="533400" y="1409700"/>
+            <a:ext cx="4495800" cy="543034"/>
+          </a:xfrm>
+          <a:prstGeom prst="rect">
+            <a:avLst/>
+          </a:prstGeom>
+        </p:spPr>
+        <p:txBody>
+          <a:bodyPr wrap="square" lIns="0" tIns="0" rIns="0" bIns="0" rtlCol="0" anchor="t">
+            <a:spAutoFit/>
+          </a:bodyPr>
+          <a:lstStyle/>
+          <a:p>
+            <a:pPr marL="323850" lvl="1">
+              <a:lnSpc>
+                <a:spcPts val="4500"/>
+              </a:lnSpc>
+            </a:pPr>
+            <a:r>
+              <a:rPr lang="en-US" sz="3200" b="1" dirty="0" err="1" smtClean="0">
+                <a:solidFill>
+                  <a:srgbClr val="FF0000"/>
+                </a:solidFill>
+              </a:rPr>
+              <a:t>Lưu</a:t>
+            </a:r>
+            <a:r>
+              <a:rPr lang="en-US" sz="3200" b="1" dirty="0" smtClean="0">
+                <a:solidFill>
+                  <a:srgbClr val="FF0000"/>
+                </a:solidFill>
+              </a:rPr>
+              <a:t> ý:</a:t>
+            </a:r>
+            <a:endParaRPr lang="en-US" sz="3200" b="1" dirty="0">
+              <a:solidFill>
+                <a:srgbClr val="FF0000"/>
+              </a:solidFill>
+              <a:latin typeface="Bricolage Grotesque Bold" panose="020B0604020202020204" charset="0"/>
+              <a:ea typeface="Bricolage Grotesque"/>
+              <a:cs typeface="Bricolage Grotesque"/>
+              <a:sym typeface="Bricolage Grotesque"/>
+            </a:endParaRPr>
+          </a:p>
+        </p:txBody>
+      </p:sp>
+      <p:pic>
+        <p:nvPicPr>
+          <p:cNvPr id="2" name="Picture 1"/>
+          <p:cNvPicPr>
+            <a:picLocks noChangeAspect="1"/>
+          </p:cNvPicPr>
+          <p:nvPr/>
+        </p:nvPicPr>
+        <p:blipFill>
+          <a:blip r:embed="rId2"/>
+          <a:stretch>
+            <a:fillRect/>
+          </a:stretch>
+        </p:blipFill>
+        <p:spPr>
+          <a:xfrm>
+            <a:off x="9144000" y="1562100"/>
+            <a:ext cx="8399117" cy="8201025"/>
+          </a:xfrm>
+          <a:prstGeom prst="rect">
+            <a:avLst/>
+          </a:prstGeom>
+        </p:spPr>
+      </p:pic>
+      <p:sp>
+        <p:nvSpPr>
+          <p:cNvPr id="10" name="TextBox 3"/>
+          <p:cNvSpPr txBox="1"/>
+          <p:nvPr/>
+        </p:nvSpPr>
+        <p:spPr>
+          <a:xfrm>
+            <a:off x="517742" y="2152518"/>
+            <a:ext cx="7620000" cy="5193729"/>
+          </a:xfrm>
+          <a:prstGeom prst="rect">
+            <a:avLst/>
+          </a:prstGeom>
+        </p:spPr>
+        <p:txBody>
+          <a:bodyPr wrap="square" lIns="0" tIns="0" rIns="0" bIns="0" rtlCol="0" anchor="t">
+            <a:spAutoFit/>
+          </a:bodyPr>
+          <a:lstStyle/>
+          <a:p>
+            <a:pPr marL="323850" lvl="1">
+              <a:lnSpc>
+                <a:spcPts val="4500"/>
+              </a:lnSpc>
+            </a:pPr>
+            <a:r>
+              <a:rPr lang="vi-VN" sz="3200" dirty="0" smtClean="0">
+                <a:latin typeface="Calibri" panose="020F0502020204030204" pitchFamily="34" charset="0"/>
+                <a:ea typeface="Calibri" panose="020F0502020204030204" pitchFamily="34" charset="0"/>
+                <a:cs typeface="Calibri" panose="020F0502020204030204" pitchFamily="34" charset="0"/>
+              </a:rPr>
+              <a:t>Cập </a:t>
+            </a:r>
+            <a:r>
+              <a:rPr lang="vi-VN" sz="3200" dirty="0">
+                <a:latin typeface="Calibri" panose="020F0502020204030204" pitchFamily="34" charset="0"/>
+                <a:ea typeface="Calibri" panose="020F0502020204030204" pitchFamily="34" charset="0"/>
+                <a:cs typeface="Calibri" panose="020F0502020204030204" pitchFamily="34" charset="0"/>
+              </a:rPr>
+              <a:t>nhật state bằng setState là bất đồng bộ. </a:t>
+            </a:r>
+            <a:endParaRPr lang="en-US" sz="3200" dirty="0">
+              <a:latin typeface="Calibri" panose="020F0502020204030204" pitchFamily="34" charset="0"/>
+              <a:ea typeface="Calibri" panose="020F0502020204030204" pitchFamily="34" charset="0"/>
+              <a:cs typeface="Calibri" panose="020F0502020204030204" pitchFamily="34" charset="0"/>
+            </a:endParaRPr>
+          </a:p>
+          <a:p>
+            <a:pPr marL="323850" lvl="1">
+              <a:lnSpc>
+                <a:spcPts val="4500"/>
+              </a:lnSpc>
+            </a:pPr>
+            <a:endParaRPr lang="en-US" sz="3200" dirty="0" smtClean="0">
+              <a:latin typeface="Calibri" panose="020F0502020204030204" pitchFamily="34" charset="0"/>
+              <a:ea typeface="Calibri" panose="020F0502020204030204" pitchFamily="34" charset="0"/>
+              <a:cs typeface="Calibri" panose="020F0502020204030204" pitchFamily="34" charset="0"/>
+            </a:endParaRPr>
+          </a:p>
+          <a:p>
+            <a:pPr marL="323850" lvl="1">
+              <a:lnSpc>
+                <a:spcPts val="4500"/>
+              </a:lnSpc>
+            </a:pPr>
+            <a:r>
+              <a:rPr lang="vi-VN" sz="3200" dirty="0" smtClean="0">
+                <a:latin typeface="Calibri" panose="020F0502020204030204" pitchFamily="34" charset="0"/>
+                <a:ea typeface="Calibri" panose="020F0502020204030204" pitchFamily="34" charset="0"/>
+                <a:cs typeface="Calibri" panose="020F0502020204030204" pitchFamily="34" charset="0"/>
+              </a:rPr>
+              <a:t>Điều </a:t>
+            </a:r>
+            <a:r>
+              <a:rPr lang="vi-VN" sz="3200" dirty="0">
+                <a:latin typeface="Calibri" panose="020F0502020204030204" pitchFamily="34" charset="0"/>
+                <a:ea typeface="Calibri" panose="020F0502020204030204" pitchFamily="34" charset="0"/>
+                <a:cs typeface="Calibri" panose="020F0502020204030204" pitchFamily="34" charset="0"/>
+              </a:rPr>
+              <a:t>này có nghĩa là nếu bạn gọi setCount(count + 1); nhiều lần liên tiếp mà không có delay, giá trị của count có thể không được cập nhật ngay lập tức. </a:t>
+            </a:r>
+            <a:endParaRPr lang="en-US" sz="3200" dirty="0" smtClean="0">
+              <a:latin typeface="Calibri" panose="020F0502020204030204" pitchFamily="34" charset="0"/>
+              <a:ea typeface="Calibri" panose="020F0502020204030204" pitchFamily="34" charset="0"/>
+              <a:cs typeface="Calibri" panose="020F0502020204030204" pitchFamily="34" charset="0"/>
+            </a:endParaRPr>
+          </a:p>
+          <a:p>
+            <a:pPr marL="323850" lvl="1">
+              <a:lnSpc>
+                <a:spcPts val="4500"/>
+              </a:lnSpc>
+            </a:pPr>
+            <a:endParaRPr lang="en-US" sz="3200" dirty="0">
+              <a:latin typeface="Calibri" panose="020F0502020204030204" pitchFamily="34" charset="0"/>
+              <a:ea typeface="Calibri" panose="020F0502020204030204" pitchFamily="34" charset="0"/>
+              <a:cs typeface="Calibri" panose="020F0502020204030204" pitchFamily="34" charset="0"/>
+            </a:endParaRPr>
+          </a:p>
+          <a:p>
+            <a:pPr marL="323850" lvl="1">
+              <a:lnSpc>
+                <a:spcPts val="4500"/>
+              </a:lnSpc>
+            </a:pPr>
+            <a:r>
+              <a:rPr lang="vi-VN" sz="3200" dirty="0" smtClean="0">
+                <a:latin typeface="Calibri" panose="020F0502020204030204" pitchFamily="34" charset="0"/>
+                <a:ea typeface="Calibri" panose="020F0502020204030204" pitchFamily="34" charset="0"/>
+                <a:cs typeface="Calibri" panose="020F0502020204030204" pitchFamily="34" charset="0"/>
+              </a:rPr>
+              <a:t>Để </a:t>
+            </a:r>
+            <a:r>
+              <a:rPr lang="vi-VN" sz="3200" dirty="0">
+                <a:latin typeface="Calibri" panose="020F0502020204030204" pitchFamily="34" charset="0"/>
+                <a:ea typeface="Calibri" panose="020F0502020204030204" pitchFamily="34" charset="0"/>
+                <a:cs typeface="Calibri" panose="020F0502020204030204" pitchFamily="34" charset="0"/>
+              </a:rPr>
+              <a:t>tránh vấn đề này, bạn có thể sử dụng hàm trong setCount:</a:t>
+            </a:r>
+            <a:endParaRPr lang="en-US" sz="3200" dirty="0">
+              <a:solidFill>
+                <a:srgbClr val="1E293B"/>
+              </a:solidFill>
+              <a:latin typeface="Calibri" panose="020F0502020204030204" pitchFamily="34" charset="0"/>
+              <a:ea typeface="Calibri" panose="020F0502020204030204" pitchFamily="34" charset="0"/>
+              <a:cs typeface="Calibri" panose="020F0502020204030204" pitchFamily="34" charset="0"/>
+              <a:sym typeface="Bricolage Grotesque"/>
+            </a:endParaRPr>
+          </a:p>
+        </p:txBody>
+      </p:sp>
+      <p:sp>
+        <p:nvSpPr>
+          <p:cNvPr id="11" name="TextBox 2"/>
+          <p:cNvSpPr txBox="1"/>
+          <p:nvPr/>
+        </p:nvSpPr>
+        <p:spPr>
+          <a:xfrm>
+            <a:off x="0" y="266700"/>
+            <a:ext cx="18288000" cy="846386"/>
+          </a:xfrm>
+          <a:prstGeom prst="rect">
+            <a:avLst/>
+          </a:prstGeom>
+        </p:spPr>
+        <p:txBody>
+          <a:bodyPr lIns="0" tIns="0" rIns="0" bIns="0" rtlCol="0" anchor="t">
+            <a:spAutoFit/>
+          </a:bodyPr>
+          <a:lstStyle/>
+          <a:p>
+            <a:pPr marL="0" lvl="0" indent="0" algn="ctr">
+              <a:lnSpc>
+                <a:spcPts val="6999"/>
+              </a:lnSpc>
+              <a:spcBef>
+                <a:spcPct val="0"/>
+              </a:spcBef>
+            </a:pPr>
+            <a:r>
+              <a:rPr lang="en-US" sz="5000" b="1" dirty="0" err="1" smtClean="0">
+                <a:solidFill>
+                  <a:srgbClr val="1E293B"/>
+                </a:solidFill>
+                <a:latin typeface="Bricolage Grotesque Bold"/>
+                <a:ea typeface="Bricolage Grotesque Bold"/>
+                <a:cs typeface="Bricolage Grotesque Bold"/>
+                <a:sym typeface="Bricolage Grotesque Bold"/>
+              </a:rPr>
+              <a:t>Nguyên</a:t>
+            </a:r>
+            <a:r>
+              <a:rPr lang="en-US" sz="5000" b="1" dirty="0" smtClean="0">
+                <a:solidFill>
+                  <a:srgbClr val="1E293B"/>
+                </a:solidFill>
+                <a:latin typeface="Bricolage Grotesque Bold"/>
+                <a:ea typeface="Bricolage Grotesque Bold"/>
+                <a:cs typeface="Bricolage Grotesque Bold"/>
+                <a:sym typeface="Bricolage Grotesque Bold"/>
+              </a:rPr>
+              <a:t> </a:t>
+            </a:r>
+            <a:r>
+              <a:rPr lang="en-US" sz="5000" b="1" dirty="0" err="1" smtClean="0">
+                <a:solidFill>
+                  <a:srgbClr val="1E293B"/>
+                </a:solidFill>
+                <a:latin typeface="Bricolage Grotesque Bold"/>
+                <a:ea typeface="Bricolage Grotesque Bold"/>
+                <a:cs typeface="Bricolage Grotesque Bold"/>
+                <a:sym typeface="Bricolage Grotesque Bold"/>
+              </a:rPr>
+              <a:t>lý</a:t>
+            </a:r>
+            <a:r>
+              <a:rPr lang="en-US" sz="5000" b="1" dirty="0" smtClean="0">
+                <a:solidFill>
+                  <a:srgbClr val="1E293B"/>
+                </a:solidFill>
+                <a:latin typeface="Bricolage Grotesque Bold"/>
+                <a:ea typeface="Bricolage Grotesque Bold"/>
+                <a:cs typeface="Bricolage Grotesque Bold"/>
+                <a:sym typeface="Bricolage Grotesque Bold"/>
+              </a:rPr>
+              <a:t> </a:t>
+            </a:r>
+            <a:r>
+              <a:rPr lang="en-US" sz="5000" b="1" dirty="0" err="1" smtClean="0">
+                <a:solidFill>
+                  <a:srgbClr val="1E293B"/>
+                </a:solidFill>
+                <a:latin typeface="Bricolage Grotesque Bold"/>
+                <a:ea typeface="Bricolage Grotesque Bold"/>
+                <a:cs typeface="Bricolage Grotesque Bold"/>
+                <a:sym typeface="Bricolage Grotesque Bold"/>
+              </a:rPr>
+              <a:t>hoạt</a:t>
+            </a:r>
+            <a:r>
+              <a:rPr lang="en-US" sz="5000" b="1" dirty="0" smtClean="0">
+                <a:solidFill>
+                  <a:srgbClr val="1E293B"/>
+                </a:solidFill>
+                <a:latin typeface="Bricolage Grotesque Bold"/>
+                <a:ea typeface="Bricolage Grotesque Bold"/>
+                <a:cs typeface="Bricolage Grotesque Bold"/>
+                <a:sym typeface="Bricolage Grotesque Bold"/>
+              </a:rPr>
+              <a:t> </a:t>
+            </a:r>
+            <a:r>
+              <a:rPr lang="en-US" sz="5000" b="1" dirty="0" err="1" smtClean="0">
+                <a:solidFill>
+                  <a:srgbClr val="1E293B"/>
+                </a:solidFill>
+                <a:latin typeface="Bricolage Grotesque Bold"/>
+                <a:ea typeface="Bricolage Grotesque Bold"/>
+                <a:cs typeface="Bricolage Grotesque Bold"/>
+                <a:sym typeface="Bricolage Grotesque Bold"/>
+              </a:rPr>
+              <a:t>động</a:t>
+            </a:r>
+            <a:endParaRPr lang="en-US" sz="5000" b="1" dirty="0">
+              <a:solidFill>
+                <a:srgbClr val="1E293B"/>
+              </a:solidFill>
+              <a:latin typeface="Bricolage Grotesque Bold"/>
+              <a:ea typeface="Bricolage Grotesque Bold"/>
+              <a:cs typeface="Bricolage Grotesque Bold"/>
+              <a:sym typeface="Bricolage Grotesque Bold"/>
+            </a:endParaRPr>
+          </a:p>
+        </p:txBody>
+      </p:sp>
+      <p:pic>
+        <p:nvPicPr>
+          <p:cNvPr id="3" name="Picture 2"/>
+          <p:cNvPicPr>
+            <a:picLocks noChangeAspect="1"/>
+          </p:cNvPicPr>
+          <p:nvPr/>
+        </p:nvPicPr>
+        <p:blipFill>
+          <a:blip r:embed="rId3"/>
+          <a:stretch>
+            <a:fillRect/>
+          </a:stretch>
+        </p:blipFill>
+        <p:spPr>
+          <a:xfrm>
+            <a:off x="1885689" y="7923329"/>
+            <a:ext cx="5200911" cy="1865544"/>
+          </a:xfrm>
+          <a:prstGeom prst="rect">
+            <a:avLst/>
+          </a:prstGeom>
+        </p:spPr>
+      </p:pic>
+    </p:spTree>
+  </p:cSld>
+  <p:clrMapOvr>
+    <a:masterClrMapping/>
+  </p:clrMapOvr>
+  <p:timing>
+    <p:tnLst>
+      <p:par>
+        <p:cTn id="1" dur="indefinite" restart="never" nodeType="tmRoot"/>
+      </p:par>
+    </p:tnLst>
+  </p:timing>
+</p:sld>
+</file>
+
+<file path=ppt/slides/slide11.xml><?xml version="1.0" encoding="utf-8"?>
+<p:sld xmlns:a="http://schemas.openxmlformats.org/drawingml/2006/main" xmlns:r="http://schemas.openxmlformats.org/officeDocument/2006/relationships" xmlns:p="http://schemas.openxmlformats.org/presentationml/2006/main">
+  <p:cSld>
+    <p:bg>
+      <p:bgPr>
+        <a:solidFill>
+          <a:srgbClr val="F7F7F7"/>
+        </a:solidFill>
+        <a:effectLst/>
+      </p:bgPr>
+    </p:bg>
+    <p:spTree>
+      <p:nvGrpSpPr>
+        <p:cNvPr id="1" name=""/>
+        <p:cNvGrpSpPr/>
+        <p:nvPr/>
+      </p:nvGrpSpPr>
+      <p:grpSpPr>
+        <a:xfrm>
+          <a:off x="0" y="0"/>
+          <a:ext cx="0" cy="0"/>
+          <a:chOff x="0" y="0"/>
+          <a:chExt cx="0" cy="0"/>
+        </a:xfrm>
+      </p:grpSpPr>
+      <p:sp>
+        <p:nvSpPr>
+          <p:cNvPr id="7" name="TextBox 7"/>
+          <p:cNvSpPr txBox="1"/>
+          <p:nvPr/>
+        </p:nvSpPr>
+        <p:spPr>
+          <a:xfrm>
+            <a:off x="13487400" y="2095500"/>
+            <a:ext cx="4343400" cy="2769989"/>
+          </a:xfrm>
+          <a:prstGeom prst="rect">
+            <a:avLst/>
+          </a:prstGeom>
+        </p:spPr>
+        <p:txBody>
+          <a:bodyPr wrap="square" lIns="0" tIns="0" rIns="0" bIns="0" rtlCol="0" anchor="t">
+            <a:spAutoFit/>
+          </a:bodyPr>
+          <a:lstStyle/>
+          <a:p>
+            <a:pPr marL="0" lvl="0" indent="0" algn="l">
+              <a:spcBef>
+                <a:spcPct val="0"/>
+              </a:spcBef>
+            </a:pPr>
+            <a:r>
+              <a:rPr lang="en-US" sz="6000" b="1" u="none" strike="noStrike" dirty="0" err="1" smtClean="0">
+                <a:solidFill>
+                  <a:srgbClr val="1E293B"/>
+                </a:solidFill>
+                <a:latin typeface="Bricolage Grotesque Bold"/>
+                <a:ea typeface="Bricolage Grotesque Bold"/>
+                <a:cs typeface="Bricolage Grotesque Bold"/>
+                <a:sym typeface="Bricolage Grotesque Bold"/>
+              </a:rPr>
+              <a:t>Bài</a:t>
+            </a:r>
+            <a:r>
+              <a:rPr lang="en-US" sz="6000" b="1" u="none" strike="noStrike" dirty="0" smtClean="0">
+                <a:solidFill>
+                  <a:srgbClr val="1E293B"/>
+                </a:solidFill>
+                <a:latin typeface="Bricolage Grotesque Bold"/>
+                <a:ea typeface="Bricolage Grotesque Bold"/>
+                <a:cs typeface="Bricolage Grotesque Bold"/>
+                <a:sym typeface="Bricolage Grotesque Bold"/>
+              </a:rPr>
+              <a:t> </a:t>
+            </a:r>
+            <a:r>
+              <a:rPr lang="en-US" sz="6000" b="1" u="none" strike="noStrike" dirty="0" err="1" smtClean="0">
+                <a:solidFill>
+                  <a:srgbClr val="1E293B"/>
+                </a:solidFill>
+                <a:latin typeface="Bricolage Grotesque Bold"/>
+                <a:ea typeface="Bricolage Grotesque Bold"/>
+                <a:cs typeface="Bricolage Grotesque Bold"/>
+                <a:sym typeface="Bricolage Grotesque Bold"/>
+              </a:rPr>
+              <a:t>tập</a:t>
+            </a:r>
+            <a:r>
+              <a:rPr lang="en-US" sz="6000" b="1" u="none" strike="noStrike" dirty="0" smtClean="0">
+                <a:solidFill>
+                  <a:srgbClr val="1E293B"/>
+                </a:solidFill>
+                <a:latin typeface="Bricolage Grotesque Bold"/>
+                <a:ea typeface="Bricolage Grotesque Bold"/>
+                <a:cs typeface="Bricolage Grotesque Bold"/>
+                <a:sym typeface="Bricolage Grotesque Bold"/>
+              </a:rPr>
+              <a:t> </a:t>
+            </a:r>
+            <a:r>
+              <a:rPr lang="en-US" sz="6000" b="1" u="none" strike="noStrike" dirty="0" err="1" smtClean="0">
+                <a:solidFill>
+                  <a:srgbClr val="1E293B"/>
+                </a:solidFill>
+                <a:latin typeface="Bricolage Grotesque Bold"/>
+                <a:ea typeface="Bricolage Grotesque Bold"/>
+                <a:cs typeface="Bricolage Grotesque Bold"/>
+                <a:sym typeface="Bricolage Grotesque Bold"/>
+              </a:rPr>
+              <a:t>thực</a:t>
+            </a:r>
+            <a:r>
+              <a:rPr lang="en-US" sz="6000" b="1" u="none" strike="noStrike" dirty="0" smtClean="0">
+                <a:solidFill>
+                  <a:srgbClr val="1E293B"/>
+                </a:solidFill>
+                <a:latin typeface="Bricolage Grotesque Bold"/>
+                <a:ea typeface="Bricolage Grotesque Bold"/>
+                <a:cs typeface="Bricolage Grotesque Bold"/>
+                <a:sym typeface="Bricolage Grotesque Bold"/>
+              </a:rPr>
+              <a:t> </a:t>
+            </a:r>
+            <a:r>
+              <a:rPr lang="en-US" sz="6000" b="1" u="none" strike="noStrike" dirty="0" err="1" smtClean="0">
+                <a:solidFill>
+                  <a:srgbClr val="1E293B"/>
+                </a:solidFill>
+                <a:latin typeface="Bricolage Grotesque Bold"/>
+                <a:ea typeface="Bricolage Grotesque Bold"/>
+                <a:cs typeface="Bricolage Grotesque Bold"/>
+                <a:sym typeface="Bricolage Grotesque Bold"/>
+              </a:rPr>
+              <a:t>hành</a:t>
+            </a:r>
+            <a:r>
+              <a:rPr lang="en-US" sz="6000" b="1" u="none" strike="noStrike" dirty="0" smtClean="0">
+                <a:solidFill>
+                  <a:srgbClr val="1E293B"/>
+                </a:solidFill>
+                <a:latin typeface="Bricolage Grotesque Bold"/>
+                <a:ea typeface="Bricolage Grotesque Bold"/>
+                <a:cs typeface="Bricolage Grotesque Bold"/>
+                <a:sym typeface="Bricolage Grotesque Bold"/>
+              </a:rPr>
+              <a:t> </a:t>
+            </a:r>
+            <a:r>
+              <a:rPr lang="en-US" sz="6000" b="1" u="none" strike="noStrike" dirty="0" err="1" smtClean="0">
+                <a:solidFill>
+                  <a:srgbClr val="1E293B"/>
+                </a:solidFill>
+                <a:latin typeface="Bricolage Grotesque Bold"/>
+                <a:ea typeface="Bricolage Grotesque Bold"/>
+                <a:cs typeface="Bricolage Grotesque Bold"/>
+                <a:sym typeface="Bricolage Grotesque Bold"/>
+              </a:rPr>
+              <a:t>tại</a:t>
+            </a:r>
+            <a:r>
+              <a:rPr lang="en-US" sz="6000" b="1" u="none" strike="noStrike" dirty="0" smtClean="0">
+                <a:solidFill>
+                  <a:srgbClr val="1E293B"/>
+                </a:solidFill>
+                <a:latin typeface="Bricolage Grotesque Bold"/>
+                <a:ea typeface="Bricolage Grotesque Bold"/>
+                <a:cs typeface="Bricolage Grotesque Bold"/>
+                <a:sym typeface="Bricolage Grotesque Bold"/>
+              </a:rPr>
+              <a:t> </a:t>
+            </a:r>
+            <a:r>
+              <a:rPr lang="en-US" sz="6000" b="1" u="none" strike="noStrike" dirty="0" err="1" smtClean="0">
+                <a:solidFill>
+                  <a:srgbClr val="1E293B"/>
+                </a:solidFill>
+                <a:latin typeface="Bricolage Grotesque Bold"/>
+                <a:ea typeface="Bricolage Grotesque Bold"/>
+                <a:cs typeface="Bricolage Grotesque Bold"/>
+                <a:sym typeface="Bricolage Grotesque Bold"/>
+              </a:rPr>
+              <a:t>lớp</a:t>
+            </a:r>
+            <a:endParaRPr lang="en-US" sz="6000" b="1" u="none" strike="noStrike" dirty="0">
+              <a:solidFill>
+                <a:srgbClr val="1E293B"/>
+              </a:solidFill>
+              <a:latin typeface="Bricolage Grotesque Bold"/>
+              <a:ea typeface="Bricolage Grotesque Bold"/>
+              <a:cs typeface="Bricolage Grotesque Bold"/>
+              <a:sym typeface="Bricolage Grotesque Bold"/>
+            </a:endParaRPr>
+          </a:p>
+        </p:txBody>
+      </p:sp>
+      <p:grpSp>
+        <p:nvGrpSpPr>
+          <p:cNvPr id="14" name="Group 14"/>
+          <p:cNvGrpSpPr/>
+          <p:nvPr/>
+        </p:nvGrpSpPr>
+        <p:grpSpPr>
+          <a:xfrm>
+            <a:off x="15493924" y="6934200"/>
+            <a:ext cx="3467057" cy="4305236"/>
+            <a:chOff x="0" y="0"/>
+            <a:chExt cx="4622743" cy="5740315"/>
+          </a:xfrm>
+        </p:grpSpPr>
+        <p:sp>
+          <p:nvSpPr>
+            <p:cNvPr id="15" name="Freeform 15"/>
+            <p:cNvSpPr/>
+            <p:nvPr/>
+          </p:nvSpPr>
+          <p:spPr>
+            <a:xfrm rot="-2700000">
+              <a:off x="-124706" y="1478676"/>
+              <a:ext cx="4872155" cy="1665391"/>
+            </a:xfrm>
+            <a:custGeom>
+              <a:avLst/>
+              <a:gdLst/>
+              <a:ahLst/>
+              <a:cxnLst/>
+              <a:rect l="l" t="t" r="r" b="b"/>
+              <a:pathLst>
+                <a:path w="4872155" h="1665391">
+                  <a:moveTo>
+                    <a:pt x="0" y="0"/>
+                  </a:moveTo>
+                  <a:lnTo>
+                    <a:pt x="4872155" y="0"/>
+                  </a:lnTo>
+                  <a:lnTo>
+                    <a:pt x="4872155" y="1665391"/>
+                  </a:lnTo>
+                  <a:lnTo>
+                    <a:pt x="0" y="1665391"/>
+                  </a:lnTo>
+                  <a:lnTo>
+                    <a:pt x="0" y="0"/>
+                  </a:lnTo>
+                  <a:close/>
+                </a:path>
+              </a:pathLst>
+            </a:custGeom>
+            <a:blipFill>
+              <a:blip r:embed="rId2">
+                <a:extLst>
+                  <a:ext uri="{96DAC541-7B7A-43D3-8B79-37D633B846F1}">
+                    <asvg:svgBlip xmlns="" xmlns:asvg="http://schemas.microsoft.com/office/drawing/2016/SVG/main" r:embed="rId4"/>
+                  </a:ext>
+                </a:extLst>
+              </a:blip>
+              <a:stretch>
+                <a:fillRect/>
+              </a:stretch>
+            </a:blipFill>
+          </p:spPr>
+        </p:sp>
+        <p:grpSp>
+          <p:nvGrpSpPr>
+            <p:cNvPr id="16" name="Group 16"/>
+            <p:cNvGrpSpPr/>
+            <p:nvPr/>
+          </p:nvGrpSpPr>
+          <p:grpSpPr>
+            <a:xfrm rot="8100000">
+              <a:off x="-106337" y="2577879"/>
+              <a:ext cx="4835418" cy="1702128"/>
+              <a:chOff x="0" y="0"/>
+              <a:chExt cx="954623" cy="336039"/>
+            </a:xfrm>
+          </p:grpSpPr>
+          <p:sp>
+            <p:nvSpPr>
+              <p:cNvPr id="17" name="Freeform 17"/>
+              <p:cNvSpPr/>
+              <p:nvPr/>
+            </p:nvSpPr>
+            <p:spPr>
+              <a:xfrm>
+                <a:off x="0" y="0"/>
+                <a:ext cx="954623" cy="336039"/>
+              </a:xfrm>
+              <a:custGeom>
+                <a:avLst/>
+                <a:gdLst/>
+                <a:ahLst/>
+                <a:cxnLst/>
+                <a:rect l="l" t="t" r="r" b="b"/>
+                <a:pathLst>
+                  <a:path w="954623" h="336039">
+                    <a:moveTo>
+                      <a:pt x="751423" y="0"/>
+                    </a:moveTo>
+                    <a:cubicBezTo>
+                      <a:pt x="863647" y="0"/>
+                      <a:pt x="954623" y="75225"/>
+                      <a:pt x="954623" y="168020"/>
+                    </a:cubicBezTo>
+                    <a:cubicBezTo>
+                      <a:pt x="954623" y="260814"/>
+                      <a:pt x="863647" y="336039"/>
+                      <a:pt x="751423" y="336039"/>
+                    </a:cubicBezTo>
+                    <a:lnTo>
+                      <a:pt x="203200" y="336039"/>
+                    </a:lnTo>
+                    <a:cubicBezTo>
+                      <a:pt x="90976" y="336039"/>
+                      <a:pt x="0" y="260814"/>
+                      <a:pt x="0" y="168020"/>
+                    </a:cubicBezTo>
+                    <a:cubicBezTo>
+                      <a:pt x="0" y="75225"/>
+                      <a:pt x="90976" y="0"/>
+                      <a:pt x="203200" y="0"/>
+                    </a:cubicBezTo>
+                    <a:close/>
+                  </a:path>
+                </a:pathLst>
+              </a:custGeom>
+              <a:solidFill>
+                <a:srgbClr val="1E293B"/>
+              </a:solidFill>
+              <a:ln cap="sq">
+                <a:noFill/>
+                <a:prstDash val="solid"/>
+                <a:miter/>
+              </a:ln>
+            </p:spPr>
+          </p:sp>
+          <p:sp>
+            <p:nvSpPr>
+              <p:cNvPr id="18" name="TextBox 18"/>
+              <p:cNvSpPr txBox="1"/>
+              <p:nvPr/>
+            </p:nvSpPr>
+            <p:spPr>
+              <a:xfrm>
+                <a:off x="0" y="-19050"/>
+                <a:ext cx="954623" cy="355089"/>
+              </a:xfrm>
+              <a:prstGeom prst="rect">
+                <a:avLst/>
+              </a:prstGeom>
+            </p:spPr>
+            <p:txBody>
+              <a:bodyPr lIns="18752" tIns="18752" rIns="18752" bIns="18752" rtlCol="0" anchor="ctr"/>
+              <a:lstStyle/>
+              <a:p>
+                <a:pPr marL="0" lvl="0" indent="0" algn="ctr">
+                  <a:lnSpc>
+                    <a:spcPts val="755"/>
+                  </a:lnSpc>
+                  <a:spcBef>
+                    <a:spcPct val="0"/>
+                  </a:spcBef>
+                </a:pPr>
+                <a:endParaRPr/>
+              </a:p>
+            </p:txBody>
+          </p:sp>
+        </p:grpSp>
+      </p:grpSp>
+      <p:pic>
+        <p:nvPicPr>
+          <p:cNvPr id="2" name="Picture 1"/>
+          <p:cNvPicPr>
+            <a:picLocks noChangeAspect="1"/>
+          </p:cNvPicPr>
+          <p:nvPr/>
+        </p:nvPicPr>
+        <p:blipFill>
+          <a:blip r:embed="rId5"/>
+          <a:stretch>
+            <a:fillRect/>
+          </a:stretch>
+        </p:blipFill>
+        <p:spPr>
+          <a:xfrm>
+            <a:off x="609600" y="342900"/>
+            <a:ext cx="8915400" cy="9468592"/>
+          </a:xfrm>
+          <a:prstGeom prst="rect">
+            <a:avLst/>
+          </a:prstGeom>
+        </p:spPr>
+      </p:pic>
+    </p:spTree>
+  </p:cSld>
+  <p:clrMapOvr>
+    <a:masterClrMapping/>
+  </p:clrMapOvr>
+  <p:timing>
+    <p:tnLst>
+      <p:par>
+        <p:cTn id="1" dur="indefinite" restart="never" nodeType="tmRoot"/>
+      </p:par>
+    </p:tnLst>
+  </p:timing>
+</p:sld>
+</file>
+
+<file path=ppt/slides/slide12.xml><?xml version="1.0" encoding="utf-8"?>
+<p:sld xmlns:a="http://schemas.openxmlformats.org/drawingml/2006/main" xmlns:r="http://schemas.openxmlformats.org/officeDocument/2006/relationships" xmlns:p="http://schemas.openxmlformats.org/presentationml/2006/main">
+  <p:cSld>
     <p:spTree>
       <p:nvGrpSpPr>
         <p:cNvPr id="1" name=""/>
@@ -3532,7 +4340,7 @@
               <a:blip r:embed="rId4">
                 <a:extLst>
                   <a:ext uri="{96DAC541-7B7A-43D3-8B79-37D633B846F1}">
-                    <asvg:svgBlip xmlns:asvg="http://schemas.microsoft.com/office/drawing/2016/SVG/main" xmlns="" r:embed="rId5"/>
+                    <asvg:svgBlip xmlns="" xmlns:asvg="http://schemas.microsoft.com/office/drawing/2016/SVG/main" r:embed="rId5"/>
                   </a:ext>
                 </a:extLst>
               </a:blip>
@@ -3774,7 +4582,7 @@
 </p:sld>
 </file>
 
-<file path=ppt/slides/slide11.xml><?xml version="1.0" encoding="utf-8"?>
+<file path=ppt/slides/slide13.xml><?xml version="1.0" encoding="utf-8"?>
 <p:sld xmlns:a="http://schemas.openxmlformats.org/drawingml/2006/main" xmlns:r="http://schemas.openxmlformats.org/officeDocument/2006/relationships" xmlns:p="http://schemas.openxmlformats.org/presentationml/2006/main">
   <p:cSld>
     <p:spTree>
@@ -3957,7 +4765,7 @@
               <a:blip r:embed="rId4">
                 <a:extLst>
                   <a:ext uri="{96DAC541-7B7A-43D3-8B79-37D633B846F1}">
-                    <asvg:svgBlip xmlns:asvg="http://schemas.microsoft.com/office/drawing/2016/SVG/main" xmlns="" r:embed="rId5"/>
+                    <asvg:svgBlip xmlns="" xmlns:asvg="http://schemas.microsoft.com/office/drawing/2016/SVG/main" r:embed="rId5"/>
                   </a:ext>
                 </a:extLst>
               </a:blip>
@@ -4199,7 +5007,7 @@
 </p:sld>
 </file>
 
-<file path=ppt/slides/slide12.xml><?xml version="1.0" encoding="utf-8"?>
+<file path=ppt/slides/slide14.xml><?xml version="1.0" encoding="utf-8"?>
 <p:sld xmlns:a="http://schemas.openxmlformats.org/drawingml/2006/main" xmlns:r="http://schemas.openxmlformats.org/officeDocument/2006/relationships" xmlns:p="http://schemas.openxmlformats.org/presentationml/2006/main">
   <p:cSld>
     <p:spTree>
@@ -4394,7 +5202,7 @@
               <a:blip r:embed="rId4">
                 <a:extLst>
                   <a:ext uri="{96DAC541-7B7A-43D3-8B79-37D633B846F1}">
-                    <asvg:svgBlip xmlns:asvg="http://schemas.microsoft.com/office/drawing/2016/SVG/main" xmlns="" r:embed="rId5"/>
+                    <asvg:svgBlip xmlns="" xmlns:asvg="http://schemas.microsoft.com/office/drawing/2016/SVG/main" r:embed="rId5"/>
                   </a:ext>
                 </a:extLst>
               </a:blip>
@@ -4636,7 +5444,7 @@
 </p:sld>
 </file>
 
-<file path=ppt/slides/slide13.xml><?xml version="1.0" encoding="utf-8"?>
+<file path=ppt/slides/slide15.xml><?xml version="1.0" encoding="utf-8"?>
 <p:sld xmlns:a="http://schemas.openxmlformats.org/drawingml/2006/main" xmlns:r="http://schemas.openxmlformats.org/officeDocument/2006/relationships" xmlns:p="http://schemas.openxmlformats.org/presentationml/2006/main">
   <p:cSld>
     <p:spTree>
@@ -4831,7 +5639,7 @@
               <a:blip r:embed="rId4">
                 <a:extLst>
                   <a:ext uri="{96DAC541-7B7A-43D3-8B79-37D633B846F1}">
-                    <asvg:svgBlip xmlns:asvg="http://schemas.microsoft.com/office/drawing/2016/SVG/main" xmlns="" r:embed="rId5"/>
+                    <asvg:svgBlip xmlns="" xmlns:asvg="http://schemas.microsoft.com/office/drawing/2016/SVG/main" r:embed="rId5"/>
                   </a:ext>
                 </a:extLst>
               </a:blip>
@@ -5073,544 +5881,6 @@
 </p:sld>
 </file>
 
-<file path=ppt/slides/slide14.xml><?xml version="1.0" encoding="utf-8"?>
-<p:sld xmlns:a="http://schemas.openxmlformats.org/drawingml/2006/main" xmlns:r="http://schemas.openxmlformats.org/officeDocument/2006/relationships" xmlns:p="http://schemas.openxmlformats.org/presentationml/2006/main">
-  <p:cSld>
-    <p:spTree>
-      <p:nvGrpSpPr>
-        <p:cNvPr id="1" name=""/>
-        <p:cNvGrpSpPr/>
-        <p:nvPr/>
-      </p:nvGrpSpPr>
-      <p:grpSpPr>
-        <a:xfrm>
-          <a:off x="0" y="0"/>
-          <a:ext cx="0" cy="0"/>
-          <a:chOff x="0" y="0"/>
-          <a:chExt cx="0" cy="0"/>
-        </a:xfrm>
-      </p:grpSpPr>
-      <p:sp>
-        <p:nvSpPr>
-          <p:cNvPr id="7" name="TextBox 7"/>
-          <p:cNvSpPr txBox="1"/>
-          <p:nvPr/>
-        </p:nvSpPr>
-        <p:spPr>
-          <a:xfrm>
-            <a:off x="2895600" y="1866900"/>
-            <a:ext cx="11201400" cy="923330"/>
-          </a:xfrm>
-          <a:prstGeom prst="rect">
-            <a:avLst/>
-          </a:prstGeom>
-        </p:spPr>
-        <p:txBody>
-          <a:bodyPr wrap="square" lIns="0" tIns="0" rIns="0" bIns="0" rtlCol="0" anchor="t">
-            <a:spAutoFit/>
-          </a:bodyPr>
-          <a:lstStyle/>
-          <a:p>
-            <a:pPr marL="0" lvl="0" indent="0" algn="l">
-              <a:spcBef>
-                <a:spcPct val="0"/>
-              </a:spcBef>
-            </a:pPr>
-            <a:r>
-              <a:rPr lang="en-US" sz="6000" b="1" u="none" strike="noStrike" dirty="0" err="1" smtClean="0">
-                <a:solidFill>
-                  <a:srgbClr val="1E293B"/>
-                </a:solidFill>
-                <a:latin typeface="Bricolage Grotesque Bold"/>
-                <a:ea typeface="Bricolage Grotesque Bold"/>
-                <a:cs typeface="Bricolage Grotesque Bold"/>
-                <a:sym typeface="Bricolage Grotesque Bold"/>
-              </a:rPr>
-              <a:t>Bài</a:t>
-            </a:r>
-            <a:r>
-              <a:rPr lang="en-US" sz="6000" b="1" u="none" strike="noStrike" dirty="0" smtClean="0">
-                <a:solidFill>
-                  <a:srgbClr val="1E293B"/>
-                </a:solidFill>
-                <a:latin typeface="Bricolage Grotesque Bold"/>
-                <a:ea typeface="Bricolage Grotesque Bold"/>
-                <a:cs typeface="Bricolage Grotesque Bold"/>
-                <a:sym typeface="Bricolage Grotesque Bold"/>
-              </a:rPr>
-              <a:t> </a:t>
-            </a:r>
-            <a:r>
-              <a:rPr lang="en-US" sz="6000" b="1" u="none" strike="noStrike" dirty="0" err="1" smtClean="0">
-                <a:solidFill>
-                  <a:srgbClr val="1E293B"/>
-                </a:solidFill>
-                <a:latin typeface="Bricolage Grotesque Bold"/>
-                <a:ea typeface="Bricolage Grotesque Bold"/>
-                <a:cs typeface="Bricolage Grotesque Bold"/>
-                <a:sym typeface="Bricolage Grotesque Bold"/>
-              </a:rPr>
-              <a:t>tập</a:t>
-            </a:r>
-            <a:r>
-              <a:rPr lang="en-US" sz="6000" b="1" u="none" strike="noStrike" dirty="0" smtClean="0">
-                <a:solidFill>
-                  <a:srgbClr val="1E293B"/>
-                </a:solidFill>
-                <a:latin typeface="Bricolage Grotesque Bold"/>
-                <a:ea typeface="Bricolage Grotesque Bold"/>
-                <a:cs typeface="Bricolage Grotesque Bold"/>
-                <a:sym typeface="Bricolage Grotesque Bold"/>
-              </a:rPr>
-              <a:t> </a:t>
-            </a:r>
-            <a:r>
-              <a:rPr lang="en-US" sz="6000" b="1" u="none" strike="noStrike" dirty="0" err="1" smtClean="0">
-                <a:solidFill>
-                  <a:srgbClr val="1E293B"/>
-                </a:solidFill>
-                <a:latin typeface="Bricolage Grotesque Bold"/>
-                <a:ea typeface="Bricolage Grotesque Bold"/>
-                <a:cs typeface="Bricolage Grotesque Bold"/>
-                <a:sym typeface="Bricolage Grotesque Bold"/>
-              </a:rPr>
-              <a:t>về</a:t>
-            </a:r>
-            <a:r>
-              <a:rPr lang="en-US" sz="6000" b="1" u="none" strike="noStrike" dirty="0" smtClean="0">
-                <a:solidFill>
-                  <a:srgbClr val="1E293B"/>
-                </a:solidFill>
-                <a:latin typeface="Bricolage Grotesque Bold"/>
-                <a:ea typeface="Bricolage Grotesque Bold"/>
-                <a:cs typeface="Bricolage Grotesque Bold"/>
-                <a:sym typeface="Bricolage Grotesque Bold"/>
-              </a:rPr>
-              <a:t> </a:t>
-            </a:r>
-            <a:r>
-              <a:rPr lang="en-US" sz="6000" b="1" u="none" strike="noStrike" dirty="0" err="1" smtClean="0">
-                <a:solidFill>
-                  <a:srgbClr val="1E293B"/>
-                </a:solidFill>
-                <a:latin typeface="Bricolage Grotesque Bold"/>
-                <a:ea typeface="Bricolage Grotesque Bold"/>
-                <a:cs typeface="Bricolage Grotesque Bold"/>
-                <a:sym typeface="Bricolage Grotesque Bold"/>
-              </a:rPr>
-              <a:t>nhà</a:t>
-            </a:r>
-            <a:endParaRPr lang="en-US" sz="6000" b="1" u="none" strike="noStrike" dirty="0">
-              <a:solidFill>
-                <a:srgbClr val="1E293B"/>
-              </a:solidFill>
-              <a:latin typeface="Bricolage Grotesque Bold"/>
-              <a:ea typeface="Bricolage Grotesque Bold"/>
-              <a:cs typeface="Bricolage Grotesque Bold"/>
-              <a:sym typeface="Bricolage Grotesque Bold"/>
-            </a:endParaRPr>
-          </a:p>
-        </p:txBody>
-      </p:sp>
-      <p:grpSp>
-        <p:nvGrpSpPr>
-          <p:cNvPr id="14" name="Group 14"/>
-          <p:cNvGrpSpPr/>
-          <p:nvPr/>
-        </p:nvGrpSpPr>
-        <p:grpSpPr>
-          <a:xfrm>
-            <a:off x="15493924" y="6934200"/>
-            <a:ext cx="3467057" cy="4305236"/>
-            <a:chOff x="0" y="0"/>
-            <a:chExt cx="4622743" cy="5740315"/>
-          </a:xfrm>
-        </p:grpSpPr>
-        <p:sp>
-          <p:nvSpPr>
-            <p:cNvPr id="15" name="Freeform 15"/>
-            <p:cNvSpPr/>
-            <p:nvPr/>
-          </p:nvSpPr>
-          <p:spPr>
-            <a:xfrm rot="-2700000">
-              <a:off x="-124706" y="1478676"/>
-              <a:ext cx="4872155" cy="1665391"/>
-            </a:xfrm>
-            <a:custGeom>
-              <a:avLst/>
-              <a:gdLst/>
-              <a:ahLst/>
-              <a:cxnLst/>
-              <a:rect l="l" t="t" r="r" b="b"/>
-              <a:pathLst>
-                <a:path w="4872155" h="1665391">
-                  <a:moveTo>
-                    <a:pt x="0" y="0"/>
-                  </a:moveTo>
-                  <a:lnTo>
-                    <a:pt x="4872155" y="0"/>
-                  </a:lnTo>
-                  <a:lnTo>
-                    <a:pt x="4872155" y="1665391"/>
-                  </a:lnTo>
-                  <a:lnTo>
-                    <a:pt x="0" y="1665391"/>
-                  </a:lnTo>
-                  <a:lnTo>
-                    <a:pt x="0" y="0"/>
-                  </a:lnTo>
-                  <a:close/>
-                </a:path>
-              </a:pathLst>
-            </a:custGeom>
-            <a:blipFill>
-              <a:blip r:embed="rId2">
-                <a:extLst>
-                  <a:ext uri="{96DAC541-7B7A-43D3-8B79-37D633B846F1}">
-                    <asvg:svgBlip xmlns:asvg="http://schemas.microsoft.com/office/drawing/2016/SVG/main" xmlns="" r:embed="rId4"/>
-                  </a:ext>
-                </a:extLst>
-              </a:blip>
-              <a:stretch>
-                <a:fillRect/>
-              </a:stretch>
-            </a:blipFill>
-          </p:spPr>
-        </p:sp>
-        <p:grpSp>
-          <p:nvGrpSpPr>
-            <p:cNvPr id="16" name="Group 16"/>
-            <p:cNvGrpSpPr/>
-            <p:nvPr/>
-          </p:nvGrpSpPr>
-          <p:grpSpPr>
-            <a:xfrm rot="8100000">
-              <a:off x="-106337" y="2577879"/>
-              <a:ext cx="4835418" cy="1702128"/>
-              <a:chOff x="0" y="0"/>
-              <a:chExt cx="954623" cy="336039"/>
-            </a:xfrm>
-          </p:grpSpPr>
-          <p:sp>
-            <p:nvSpPr>
-              <p:cNvPr id="17" name="Freeform 17"/>
-              <p:cNvSpPr/>
-              <p:nvPr/>
-            </p:nvSpPr>
-            <p:spPr>
-              <a:xfrm>
-                <a:off x="0" y="0"/>
-                <a:ext cx="954623" cy="336039"/>
-              </a:xfrm>
-              <a:custGeom>
-                <a:avLst/>
-                <a:gdLst/>
-                <a:ahLst/>
-                <a:cxnLst/>
-                <a:rect l="l" t="t" r="r" b="b"/>
-                <a:pathLst>
-                  <a:path w="954623" h="336039">
-                    <a:moveTo>
-                      <a:pt x="751423" y="0"/>
-                    </a:moveTo>
-                    <a:cubicBezTo>
-                      <a:pt x="863647" y="0"/>
-                      <a:pt x="954623" y="75225"/>
-                      <a:pt x="954623" y="168020"/>
-                    </a:cubicBezTo>
-                    <a:cubicBezTo>
-                      <a:pt x="954623" y="260814"/>
-                      <a:pt x="863647" y="336039"/>
-                      <a:pt x="751423" y="336039"/>
-                    </a:cubicBezTo>
-                    <a:lnTo>
-                      <a:pt x="203200" y="336039"/>
-                    </a:lnTo>
-                    <a:cubicBezTo>
-                      <a:pt x="90976" y="336039"/>
-                      <a:pt x="0" y="260814"/>
-                      <a:pt x="0" y="168020"/>
-                    </a:cubicBezTo>
-                    <a:cubicBezTo>
-                      <a:pt x="0" y="75225"/>
-                      <a:pt x="90976" y="0"/>
-                      <a:pt x="203200" y="0"/>
-                    </a:cubicBezTo>
-                    <a:close/>
-                  </a:path>
-                </a:pathLst>
-              </a:custGeom>
-              <a:solidFill>
-                <a:srgbClr val="1E293B"/>
-              </a:solidFill>
-              <a:ln cap="sq">
-                <a:noFill/>
-                <a:prstDash val="solid"/>
-                <a:miter/>
-              </a:ln>
-            </p:spPr>
-          </p:sp>
-          <p:sp>
-            <p:nvSpPr>
-              <p:cNvPr id="18" name="TextBox 18"/>
-              <p:cNvSpPr txBox="1"/>
-              <p:nvPr/>
-            </p:nvSpPr>
-            <p:spPr>
-              <a:xfrm>
-                <a:off x="0" y="-19050"/>
-                <a:ext cx="954623" cy="355089"/>
-              </a:xfrm>
-              <a:prstGeom prst="rect">
-                <a:avLst/>
-              </a:prstGeom>
-            </p:spPr>
-            <p:txBody>
-              <a:bodyPr lIns="18752" tIns="18752" rIns="18752" bIns="18752" rtlCol="0" anchor="ctr"/>
-              <a:lstStyle/>
-              <a:p>
-                <a:pPr marL="0" lvl="0" indent="0" algn="ctr">
-                  <a:lnSpc>
-                    <a:spcPts val="755"/>
-                  </a:lnSpc>
-                  <a:spcBef>
-                    <a:spcPct val="0"/>
-                  </a:spcBef>
-                </a:pPr>
-                <a:endParaRPr/>
-              </a:p>
-            </p:txBody>
-          </p:sp>
-        </p:grpSp>
-      </p:grpSp>
-      <p:sp>
-        <p:nvSpPr>
-          <p:cNvPr id="9" name="TextBox 3"/>
-          <p:cNvSpPr txBox="1"/>
-          <p:nvPr/>
-        </p:nvSpPr>
-        <p:spPr>
-          <a:xfrm>
-            <a:off x="1066800" y="3467100"/>
-            <a:ext cx="15544800" cy="1477328"/>
-          </a:xfrm>
-          <a:prstGeom prst="rect">
-            <a:avLst/>
-          </a:prstGeom>
-        </p:spPr>
-        <p:txBody>
-          <a:bodyPr wrap="square" lIns="0" tIns="0" rIns="0" bIns="0" rtlCol="0" anchor="t">
-            <a:spAutoFit/>
-          </a:bodyPr>
-          <a:lstStyle/>
-          <a:p>
-            <a:r>
-              <a:rPr lang="en-US" sz="3200" b="1" dirty="0" err="1"/>
-              <a:t>Hoàn</a:t>
-            </a:r>
-            <a:r>
-              <a:rPr lang="en-US" sz="3200" b="1" dirty="0"/>
-              <a:t> </a:t>
-            </a:r>
-            <a:r>
-              <a:rPr lang="en-US" sz="3200" b="1" dirty="0" err="1"/>
-              <a:t>thiện</a:t>
-            </a:r>
-            <a:r>
-              <a:rPr lang="en-US" sz="3200" b="1" dirty="0"/>
-              <a:t> Landing Page (Responsive):</a:t>
-            </a:r>
-            <a:endParaRPr lang="en-US" sz="3200" dirty="0"/>
-          </a:p>
-          <a:p>
-            <a:pPr lvl="1"/>
-            <a:r>
-              <a:rPr lang="en-US" sz="3200" dirty="0" err="1"/>
-              <a:t>Áp</a:t>
-            </a:r>
-            <a:r>
-              <a:rPr lang="en-US" sz="3200" dirty="0"/>
-              <a:t> </a:t>
-            </a:r>
-            <a:r>
-              <a:rPr lang="en-US" sz="3200" dirty="0" err="1"/>
-              <a:t>dụng</a:t>
-            </a:r>
-            <a:r>
-              <a:rPr lang="en-US" sz="3200" dirty="0"/>
-              <a:t> Responsive </a:t>
-            </a:r>
-            <a:r>
-              <a:rPr lang="en-US" sz="3200" dirty="0" err="1"/>
-              <a:t>cho</a:t>
-            </a:r>
-            <a:r>
-              <a:rPr lang="en-US" sz="3200" dirty="0"/>
-              <a:t> </a:t>
-            </a:r>
-            <a:r>
-              <a:rPr lang="en-US" sz="3200" dirty="0" err="1"/>
-              <a:t>bài</a:t>
-            </a:r>
-            <a:r>
-              <a:rPr lang="en-US" sz="3200" dirty="0"/>
-              <a:t> </a:t>
-            </a:r>
-            <a:r>
-              <a:rPr lang="en-US" sz="3200" dirty="0" err="1"/>
-              <a:t>tập</a:t>
-            </a:r>
-            <a:r>
-              <a:rPr lang="en-US" sz="3200" dirty="0"/>
-              <a:t> </a:t>
-            </a:r>
-            <a:r>
-              <a:rPr lang="en-US" sz="3200" dirty="0" err="1"/>
-              <a:t>về</a:t>
-            </a:r>
-            <a:r>
-              <a:rPr lang="en-US" sz="3200" dirty="0"/>
-              <a:t> </a:t>
-            </a:r>
-            <a:r>
-              <a:rPr lang="en-US" sz="3200" dirty="0" err="1"/>
-              <a:t>nhà</a:t>
-            </a:r>
-            <a:r>
-              <a:rPr lang="en-US" sz="3200" dirty="0"/>
-              <a:t> </a:t>
-            </a:r>
-            <a:r>
-              <a:rPr lang="en-US" sz="3200" dirty="0" err="1"/>
-              <a:t>Buổi</a:t>
-            </a:r>
-            <a:r>
-              <a:rPr lang="en-US" sz="3200" dirty="0"/>
-              <a:t> 1.</a:t>
-            </a:r>
-          </a:p>
-          <a:p>
-            <a:pPr lvl="1"/>
-            <a:r>
-              <a:rPr lang="en-US" sz="3200" dirty="0" err="1"/>
-              <a:t>Đảm</a:t>
-            </a:r>
-            <a:r>
-              <a:rPr lang="en-US" sz="3200" dirty="0"/>
-              <a:t> </a:t>
-            </a:r>
-            <a:r>
-              <a:rPr lang="en-US" sz="3200" dirty="0" err="1"/>
-              <a:t>bảo</a:t>
-            </a:r>
-            <a:r>
-              <a:rPr lang="en-US" sz="3200" dirty="0"/>
-              <a:t> </a:t>
-            </a:r>
-            <a:r>
-              <a:rPr lang="en-US" sz="3200" dirty="0" err="1"/>
-              <a:t>hiển</a:t>
-            </a:r>
-            <a:r>
-              <a:rPr lang="en-US" sz="3200" dirty="0"/>
-              <a:t> </a:t>
-            </a:r>
-            <a:r>
-              <a:rPr lang="en-US" sz="3200" dirty="0" err="1"/>
-              <a:t>thị</a:t>
-            </a:r>
-            <a:r>
-              <a:rPr lang="en-US" sz="3200" dirty="0"/>
-              <a:t> </a:t>
-            </a:r>
-            <a:r>
-              <a:rPr lang="en-US" sz="3200" dirty="0" err="1"/>
-              <a:t>đẹp</a:t>
-            </a:r>
-            <a:r>
-              <a:rPr lang="en-US" sz="3200" dirty="0"/>
-              <a:t> </a:t>
-            </a:r>
-            <a:r>
-              <a:rPr lang="en-US" sz="3200" dirty="0" err="1"/>
-              <a:t>trên</a:t>
-            </a:r>
-            <a:r>
-              <a:rPr lang="en-US" sz="3200" dirty="0"/>
-              <a:t> </a:t>
-            </a:r>
-            <a:r>
-              <a:rPr lang="en-US" sz="3200" dirty="0" err="1"/>
-              <a:t>cả</a:t>
-            </a:r>
-            <a:r>
-              <a:rPr lang="en-US" sz="3200" dirty="0"/>
-              <a:t> </a:t>
-            </a:r>
-            <a:r>
-              <a:rPr lang="en-US" sz="3200" dirty="0" err="1"/>
-              <a:t>điện</a:t>
-            </a:r>
-            <a:r>
-              <a:rPr lang="en-US" sz="3200" dirty="0"/>
-              <a:t> </a:t>
-            </a:r>
-            <a:r>
-              <a:rPr lang="en-US" sz="3200" dirty="0" err="1"/>
-              <a:t>thoại</a:t>
-            </a:r>
-            <a:r>
-              <a:rPr lang="en-US" sz="3200" dirty="0"/>
-              <a:t> </a:t>
-            </a:r>
-            <a:r>
-              <a:rPr lang="en-US" sz="3200" dirty="0" err="1"/>
-              <a:t>và</a:t>
-            </a:r>
-            <a:r>
-              <a:rPr lang="en-US" sz="3200" dirty="0"/>
-              <a:t> </a:t>
-            </a:r>
-            <a:r>
-              <a:rPr lang="en-US" sz="3200" dirty="0" err="1"/>
-              <a:t>máy</a:t>
-            </a:r>
-            <a:r>
-              <a:rPr lang="en-US" sz="3200" dirty="0"/>
-              <a:t> </a:t>
-            </a:r>
-            <a:r>
-              <a:rPr lang="en-US" sz="3200" dirty="0" err="1"/>
-              <a:t>tính</a:t>
-            </a:r>
-            <a:r>
-              <a:rPr lang="en-US" sz="3200" dirty="0"/>
-              <a:t>.</a:t>
-            </a:r>
-          </a:p>
-        </p:txBody>
-      </p:sp>
-    </p:spTree>
-    <p:extLst>
-      <p:ext uri="{BB962C8B-B14F-4D97-AF65-F5344CB8AC3E}">
-        <p14:creationId xmlns:p14="http://schemas.microsoft.com/office/powerpoint/2010/main" val="2819336700"/>
-      </p:ext>
-    </p:extLst>
-  </p:cSld>
-  <p:clrMapOvr>
-    <a:masterClrMapping/>
-  </p:clrMapOvr>
-  <p:timing>
-    <p:tnLst>
-      <p:par>
-        <p:cTn id="1" dur="indefinite" restart="never" nodeType="tmRoot"/>
-      </p:par>
-    </p:tnLst>
-  </p:timing>
-</p:sld>
-</file>
-
 <file path=ppt/slides/slide2.xml><?xml version="1.0" encoding="utf-8"?>
 <p:sld xmlns:a="http://schemas.openxmlformats.org/drawingml/2006/main" xmlns:r="http://schemas.openxmlformats.org/officeDocument/2006/relationships" xmlns:p="http://schemas.openxmlformats.org/presentationml/2006/main">
   <p:cSld>
@@ -6193,6 +6463,18 @@
               </a:spcBef>
             </a:pPr>
             <a:r>
+              <a:rPr lang="en-US" sz="6999" b="1" dirty="0" smtClean="0">
+                <a:solidFill>
+                  <a:srgbClr val="1E293B"/>
+                </a:solidFill>
+                <a:latin typeface="Bricolage Grotesque Bold"/>
+                <a:ea typeface="Bricolage Grotesque Bold"/>
+                <a:cs typeface="Bricolage Grotesque Bold"/>
+                <a:sym typeface="Bricolage Grotesque Bold"/>
+              </a:rPr>
+              <a:t>Event Handling </a:t>
+            </a:r>
+            <a:r>
               <a:rPr lang="en-US" sz="6999" b="1" dirty="0" err="1" smtClean="0">
                 <a:solidFill>
                   <a:srgbClr val="1E293B"/>
@@ -6202,7 +6484,7 @@
                 <a:cs typeface="Bricolage Grotesque Bold"/>
                 <a:sym typeface="Bricolage Grotesque Bold"/>
               </a:rPr>
-              <a:t>Cách</a:t>
+              <a:t>trong</a:t>
             </a:r>
             <a:r>
               <a:rPr lang="en-US" sz="6999" b="1" dirty="0" smtClean="0">
@@ -6226,55 +6508,7 @@
                 <a:cs typeface="Bricolage Grotesque Bold"/>
                 <a:sym typeface="Bricolage Grotesque Bold"/>
               </a:rPr>
-              <a:t>thức</a:t>
-            </a:r>
-            <a:r>
-              <a:rPr lang="en-US" sz="6999" b="1" dirty="0" smtClean="0">
-                <a:solidFill>
-                  <a:srgbClr val="1E293B"/>
-                </a:solidFill>
-                <a:latin typeface="Bricolage Grotesque Bold"/>
-                <a:ea typeface="Bricolage Grotesque Bold"/>
-                <a:cs typeface="Bricolage Grotesque Bold"/>
-                <a:sym typeface="Bricolage Grotesque Bold"/>
-              </a:rPr>
-              <a:t> </a:t>
-            </a:r>
-            <a:r>
-              <a:rPr lang="en-US" sz="6999" b="1" dirty="0" err="1" smtClean="0">
-                <a:solidFill>
-                  <a:srgbClr val="1E293B"/>
-                </a:solidFill>
-                <a:latin typeface="Bricolage Grotesque Bold"/>
-                <a:ea typeface="Bricolage Grotesque Bold"/>
-                <a:cs typeface="Bricolage Grotesque Bold"/>
-                <a:sym typeface="Bricolage Grotesque Bold"/>
-              </a:rPr>
-              <a:t>hoạt</a:t>
-            </a:r>
-            <a:r>
-              <a:rPr lang="en-US" sz="6999" b="1" dirty="0" smtClean="0">
-                <a:solidFill>
-                  <a:srgbClr val="1E293B"/>
-                </a:solidFill>
-                <a:latin typeface="Bricolage Grotesque Bold"/>
-                <a:ea typeface="Bricolage Grotesque Bold"/>
-                <a:cs typeface="Bricolage Grotesque Bold"/>
-                <a:sym typeface="Bricolage Grotesque Bold"/>
-              </a:rPr>
-              <a:t> </a:t>
-            </a:r>
-            <a:r>
-              <a:rPr lang="en-US" sz="6999" b="1" dirty="0" err="1" smtClean="0">
-                <a:solidFill>
-                  <a:srgbClr val="1E293B"/>
-                </a:solidFill>
-                <a:latin typeface="Bricolage Grotesque Bold"/>
-                <a:ea typeface="Bricolage Grotesque Bold"/>
-                <a:cs typeface="Bricolage Grotesque Bold"/>
-                <a:sym typeface="Bricolage Grotesque Bold"/>
-              </a:rPr>
-              <a:t>động</a:t>
+              <a:t>ReactJS</a:t>
             </a:r>
             <a:endParaRPr lang="en-US" sz="6999" b="1" dirty="0">
               <a:solidFill>
@@ -6288,21 +6522,207 @@
           </a:p>
         </p:txBody>
       </p:sp>
-      <p:sp>
-        <p:nvSpPr>
-          <p:cNvPr id="3" name="TextBox 3"/>
-          <p:cNvSpPr txBox="1"/>
+      <p:pic>
+        <p:nvPicPr>
+          <p:cNvPr id="4" name="Picture 3"/>
+          <p:cNvPicPr>
+            <a:picLocks noChangeAspect="1"/>
+          </p:cNvPicPr>
           <p:nvPr/>
-        </p:nvSpPr>
+        </p:nvPicPr>
+        <p:blipFill>
+          <a:blip r:embed="rId2"/>
+          <a:stretch>
+            <a:fillRect/>
+          </a:stretch>
+        </p:blipFill>
         <p:spPr>
           <a:xfrm>
-            <a:off x="685800" y="2915736"/>
-            <a:ext cx="9448800" cy="5770811"/>
+            <a:off x="1239252" y="3543300"/>
+            <a:ext cx="16114295" cy="3733800"/>
           </a:xfrm>
           <a:prstGeom prst="rect">
             <a:avLst/>
           </a:prstGeom>
         </p:spPr>
+      </p:pic>
+    </p:spTree>
+    <p:extLst>
+      <p:ext uri="{BB962C8B-B14F-4D97-AF65-F5344CB8AC3E}">
+        <p14:creationId xmlns:p14="http://schemas.microsoft.com/office/powerpoint/2010/main" val="3533376321"/>
+      </p:ext>
+    </p:extLst>
+  </p:cSld>
+  <p:clrMapOvr>
+    <a:masterClrMapping/>
+  </p:clrMapOvr>
+  <p:timing>
+    <p:tnLst>
+      <p:par>
+        <p:cTn id="1" dur="indefinite" restart="never" nodeType="tmRoot"/>
+      </p:par>
+    </p:tnLst>
+  </p:timing>
+</p:sld>
+</file>
+
+<file path=ppt/slides/slide5.xml><?xml version="1.0" encoding="utf-8"?>
+<p:sld xmlns:a="http://schemas.openxmlformats.org/drawingml/2006/main" xmlns:r="http://schemas.openxmlformats.org/officeDocument/2006/relationships" xmlns:p="http://schemas.openxmlformats.org/presentationml/2006/main">
+  <p:cSld>
+    <p:spTree>
+      <p:nvGrpSpPr>
+        <p:cNvPr id="1" name=""/>
+        <p:cNvGrpSpPr/>
+        <p:nvPr/>
+      </p:nvGrpSpPr>
+      <p:grpSpPr>
+        <a:xfrm>
+          <a:off x="0" y="0"/>
+          <a:ext cx="0" cy="0"/>
+          <a:chOff x="0" y="0"/>
+          <a:chExt cx="0" cy="0"/>
+        </a:xfrm>
+      </p:grpSpPr>
+      <p:sp>
+        <p:nvSpPr>
+          <p:cNvPr id="2" name="TextBox 2"/>
+          <p:cNvSpPr txBox="1"/>
+          <p:nvPr/>
+        </p:nvSpPr>
+        <p:spPr>
+          <a:xfrm>
+            <a:off x="152400" y="1104900"/>
+            <a:ext cx="18288000" cy="930275"/>
+          </a:xfrm>
+          <a:prstGeom prst="rect">
+            <a:avLst/>
+          </a:prstGeom>
+        </p:spPr>
+        <p:txBody>
+          <a:bodyPr lIns="0" tIns="0" rIns="0" bIns="0" rtlCol="0" anchor="t">
+            <a:spAutoFit/>
+          </a:bodyPr>
+          <a:lstStyle/>
+          <a:p>
+            <a:pPr marL="0" lvl="0" indent="0" algn="ctr">
+              <a:lnSpc>
+                <a:spcPts val="6999"/>
+              </a:lnSpc>
+              <a:spcBef>
+                <a:spcPct val="0"/>
+              </a:spcBef>
+            </a:pPr>
+            <a:r>
+              <a:rPr lang="en-US" sz="6999" b="1" dirty="0" err="1" smtClean="0">
+                <a:solidFill>
+                  <a:srgbClr val="1E293B"/>
+                </a:solidFill>
+                <a:latin typeface="Bricolage Grotesque Bold"/>
+                <a:ea typeface="Bricolage Grotesque Bold"/>
+                <a:cs typeface="Bricolage Grotesque Bold"/>
+                <a:sym typeface="Bricolage Grotesque Bold"/>
+              </a:rPr>
+              <a:t>Cách</a:t>
+            </a:r>
+            <a:r>
+              <a:rPr lang="en-US" sz="6999" b="1" dirty="0" smtClean="0">
+                <a:solidFill>
+                  <a:srgbClr val="1E293B"/>
+                </a:solidFill>
+                <a:latin typeface="Bricolage Grotesque Bold"/>
+                <a:ea typeface="Bricolage Grotesque Bold"/>
+                <a:cs typeface="Bricolage Grotesque Bold"/>
+                <a:sym typeface="Bricolage Grotesque Bold"/>
+              </a:rPr>
+              <a:t> </a:t>
+            </a:r>
+            <a:r>
+              <a:rPr lang="en-US" sz="6999" b="1" dirty="0" err="1" smtClean="0">
+                <a:solidFill>
+                  <a:srgbClr val="1E293B"/>
+                </a:solidFill>
+                <a:latin typeface="Bricolage Grotesque Bold"/>
+                <a:ea typeface="Bricolage Grotesque Bold"/>
+                <a:cs typeface="Bricolage Grotesque Bold"/>
+                <a:sym typeface="Bricolage Grotesque Bold"/>
+              </a:rPr>
+              <a:t>thức</a:t>
+            </a:r>
+            <a:r>
+              <a:rPr lang="en-US" sz="6999" b="1" dirty="0" smtClean="0">
+                <a:solidFill>
+                  <a:srgbClr val="1E293B"/>
+                </a:solidFill>
+                <a:latin typeface="Bricolage Grotesque Bold"/>
+                <a:ea typeface="Bricolage Grotesque Bold"/>
+                <a:cs typeface="Bricolage Grotesque Bold"/>
+                <a:sym typeface="Bricolage Grotesque Bold"/>
+              </a:rPr>
+              <a:t> </a:t>
+            </a:r>
+            <a:r>
+              <a:rPr lang="en-US" sz="6999" b="1" dirty="0" err="1" smtClean="0">
+                <a:solidFill>
+                  <a:srgbClr val="1E293B"/>
+                </a:solidFill>
+                <a:latin typeface="Bricolage Grotesque Bold"/>
+                <a:ea typeface="Bricolage Grotesque Bold"/>
+                <a:cs typeface="Bricolage Grotesque Bold"/>
+                <a:sym typeface="Bricolage Grotesque Bold"/>
+              </a:rPr>
+              <a:t>hoạt</a:t>
+            </a:r>
+            <a:r>
+              <a:rPr lang="en-US" sz="6999" b="1" dirty="0" smtClean="0">
+                <a:solidFill>
+                  <a:srgbClr val="1E293B"/>
+                </a:solidFill>
+                <a:latin typeface="Bricolage Grotesque Bold"/>
+                <a:ea typeface="Bricolage Grotesque Bold"/>
+                <a:cs typeface="Bricolage Grotesque Bold"/>
+                <a:sym typeface="Bricolage Grotesque Bold"/>
+              </a:rPr>
+              <a:t> </a:t>
+            </a:r>
+            <a:r>
+              <a:rPr lang="en-US" sz="6999" b="1" dirty="0" err="1" smtClean="0">
+                <a:solidFill>
+                  <a:srgbClr val="1E293B"/>
+                </a:solidFill>
+                <a:latin typeface="Bricolage Grotesque Bold"/>
+                <a:ea typeface="Bricolage Grotesque Bold"/>
+                <a:cs typeface="Bricolage Grotesque Bold"/>
+                <a:sym typeface="Bricolage Grotesque Bold"/>
+              </a:rPr>
+              <a:t>động</a:t>
+            </a:r>
+            <a:endParaRPr lang="en-US" sz="6999" b="1" dirty="0">
+              <a:solidFill>
+                <a:srgbClr val="1E293B"/>
+              </a:solidFill>
+              <a:latin typeface="Bricolage Grotesque Bold"/>
+              <a:ea typeface="Bricolage Grotesque Bold"/>
+              <a:cs typeface="Bricolage Grotesque Bold"/>
+              <a:sym typeface="Bricolage Grotesque Bold"/>
+            </a:endParaRPr>
+          </a:p>
+        </p:txBody>
+      </p:sp>
+      <p:sp>
+        <p:nvSpPr>
+          <p:cNvPr id="3" name="TextBox 3"/>
+          <p:cNvSpPr txBox="1"/>
+          <p:nvPr/>
+        </p:nvSpPr>
+        <p:spPr>
+          <a:xfrm>
+            <a:off x="609600" y="2705100"/>
+            <a:ext cx="9448800" cy="6924973"/>
+          </a:xfrm>
+          <a:prstGeom prst="rect">
+            <a:avLst/>
+          </a:prstGeom>
+        </p:spPr>
         <p:txBody>
           <a:bodyPr wrap="square" lIns="0" tIns="0" rIns="0" bIns="0" rtlCol="0" anchor="t">
             <a:spAutoFit/>
@@ -6316,7 +6736,31 @@
             </a:pPr>
             <a:r>
               <a:rPr lang="vi-VN" sz="3200" dirty="0"/>
-              <a:t>Gán Sự Kiện: Bạn có thể gán các hàm xử lý sự kiện (event handler) cho các phần tử trong JSX bằng cách sử dụng các thuộc tính tương ứng với sự kiện. Ví dụ, để xử lý sự kiện onClick, bạn sẽ sử dụng thuộc tính onClick.</a:t>
+              <a:t>Gán Sự Kiện: Bạn có thể gán các hàm xử lý sự kiện (event handler) cho các phần tử trong JSX bằng cách sử dụng các thuộc tính tương ứng với sự kiện. </a:t>
+            </a:r>
+            <a:endParaRPr lang="en-US" sz="3200" dirty="0" smtClean="0"/>
+          </a:p>
+          <a:p>
+            <a:pPr marL="323850" lvl="1">
+              <a:lnSpc>
+                <a:spcPts val="4500"/>
+              </a:lnSpc>
+            </a:pPr>
+            <a:endParaRPr lang="en-US" sz="3200" dirty="0"/>
+          </a:p>
+          <a:p>
+            <a:pPr marL="323850" lvl="1">
+              <a:lnSpc>
+                <a:spcPts val="4500"/>
+              </a:lnSpc>
+            </a:pPr>
+            <a:r>
+              <a:rPr lang="vi-VN" sz="3200" dirty="0" smtClean="0"/>
+              <a:t>Ví </a:t>
+            </a:r>
+            <a:r>
+              <a:rPr lang="vi-VN" sz="3200" dirty="0"/>
+              <a:t>dụ, để xử lý sự kiện onClick, bạn sẽ sử dụng thuộc tính onClick.</a:t>
             </a:r>
           </a:p>
           <a:p>
@@ -6393,7 +6837,7 @@
 </p:sld>
 </file>
 
-<file path=ppt/slides/slide5.xml><?xml version="1.0" encoding="utf-8"?>
+<file path=ppt/slides/slide6.xml><?xml version="1.0" encoding="utf-8"?>
 <p:sld xmlns:a="http://schemas.openxmlformats.org/drawingml/2006/main" xmlns:r="http://schemas.openxmlformats.org/officeDocument/2006/relationships" xmlns:p="http://schemas.openxmlformats.org/presentationml/2006/main">
   <p:cSld>
     <p:spTree>
@@ -6426,7 +6870,7 @@
         </p:blipFill>
         <p:spPr>
           <a:xfrm>
-            <a:off x="2362200" y="1638300"/>
+            <a:off x="2438400" y="2476500"/>
             <a:ext cx="13068300" cy="7005519"/>
           </a:xfrm>
           <a:prstGeom prst="rect">
@@ -6434,6 +6878,76 @@
           </a:prstGeom>
         </p:spPr>
       </p:pic>
+      <p:sp>
+        <p:nvSpPr>
+          <p:cNvPr id="4" name="TextBox 3"/>
+          <p:cNvSpPr txBox="1"/>
+          <p:nvPr/>
+        </p:nvSpPr>
+        <p:spPr>
+          <a:xfrm>
+            <a:off x="4800600" y="1409700"/>
+            <a:ext cx="12649200" cy="543034"/>
+          </a:xfrm>
+          <a:prstGeom prst="rect">
+            <a:avLst/>
+          </a:prstGeom>
+        </p:spPr>
+        <p:txBody>
+          <a:bodyPr wrap="square" lIns="0" tIns="0" rIns="0" bIns="0" rtlCol="0" anchor="t">
+            <a:spAutoFit/>
+          </a:bodyPr>
+          <a:lstStyle/>
+          <a:p>
+            <a:pPr marL="323850" lvl="1">
+              <a:lnSpc>
+                <a:spcPts val="4500"/>
+              </a:lnSpc>
+            </a:pPr>
+            <a:r>
+              <a:rPr lang="en-US" sz="3200" dirty="0" err="1" smtClean="0"/>
+              <a:t>Sử</a:t>
+            </a:r>
+            <a:r>
+              <a:rPr lang="en-US" sz="3200" dirty="0" smtClean="0"/>
+              <a:t> </a:t>
+            </a:r>
+            <a:r>
+              <a:rPr lang="en-US" sz="3200" dirty="0" err="1" smtClean="0"/>
+              <a:t>dụng</a:t>
+            </a:r>
+            <a:r>
+              <a:rPr lang="en-US" sz="3200" dirty="0" smtClean="0"/>
+              <a:t> Default Function </a:t>
+            </a:r>
+            <a:r>
+              <a:rPr lang="en-US" sz="3200" dirty="0" err="1" smtClean="0"/>
+              <a:t>và</a:t>
+            </a:r>
+            <a:r>
+              <a:rPr lang="en-US" sz="3200" dirty="0" smtClean="0"/>
+              <a:t> Arrow </a:t>
+            </a:r>
+            <a:r>
+              <a:rPr lang="en-US" sz="3200" dirty="0"/>
+              <a:t>F</a:t>
+            </a:r>
+            <a:r>
+              <a:rPr lang="en-US" sz="3200" dirty="0" smtClean="0"/>
+              <a:t>unction</a:t>
+            </a:r>
+            <a:endParaRPr lang="en-US" sz="3200" dirty="0">
+              <a:solidFill>
+                <a:srgbClr val="1E293B"/>
+              </a:solidFill>
+              <a:latin typeface="Bricolage Grotesque Bold" panose="020B0604020202020204" charset="0"/>
+              <a:ea typeface="Bricolage Grotesque"/>
+              <a:cs typeface="Bricolage Grotesque"/>
+              <a:sym typeface="Bricolage Grotesque"/>
+            </a:endParaRPr>
+          </a:p>
+        </p:txBody>
+      </p:sp>
     </p:spTree>
     <p:extLst>
       <p:ext uri="{BB962C8B-B14F-4D97-AF65-F5344CB8AC3E}">
@@ -6454,7 +6968,465 @@
 </p:sld>
 </file>
 
-<file path=ppt/slides/slide6.xml><?xml version="1.0" encoding="utf-8"?>
+<file path=ppt/slides/slide7.xml><?xml version="1.0" encoding="utf-8"?>
+<p:sld xmlns:a="http://schemas.openxmlformats.org/drawingml/2006/main" xmlns:r="http://schemas.openxmlformats.org/officeDocument/2006/relationships" xmlns:p="http://schemas.openxmlformats.org/presentationml/2006/main">
+  <p:cSld>
+    <p:spTree>
+      <p:nvGrpSpPr>
+        <p:cNvPr id="1" name=""/>
+        <p:cNvGrpSpPr/>
+        <p:nvPr/>
+      </p:nvGrpSpPr>
+      <p:grpSpPr>
+        <a:xfrm>
+          <a:off x="0" y="0"/>
+          <a:ext cx="0" cy="0"/>
+          <a:chOff x="0" y="0"/>
+          <a:chExt cx="0" cy="0"/>
+        </a:xfrm>
+      </p:grpSpPr>
+      <p:sp>
+        <p:nvSpPr>
+          <p:cNvPr id="4" name="TextBox 3"/>
+          <p:cNvSpPr txBox="1"/>
+          <p:nvPr/>
+        </p:nvSpPr>
+        <p:spPr>
+          <a:xfrm>
+            <a:off x="4495800" y="1562099"/>
+            <a:ext cx="12649200" cy="543034"/>
+          </a:xfrm>
+          <a:prstGeom prst="rect">
+            <a:avLst/>
+          </a:prstGeom>
+        </p:spPr>
+        <p:txBody>
+          <a:bodyPr wrap="square" lIns="0" tIns="0" rIns="0" bIns="0" rtlCol="0" anchor="t">
+            <a:spAutoFit/>
+          </a:bodyPr>
+          <a:lstStyle/>
+          <a:p>
+            <a:pPr marL="323850" lvl="1">
+              <a:lnSpc>
+                <a:spcPts val="4500"/>
+              </a:lnSpc>
+            </a:pPr>
+            <a:r>
+              <a:rPr lang="en-US" sz="3200" dirty="0" err="1" smtClean="0"/>
+              <a:t>Ngăn</a:t>
+            </a:r>
+            <a:r>
+              <a:rPr lang="en-US" sz="3200" dirty="0" smtClean="0"/>
+              <a:t> </a:t>
+            </a:r>
+            <a:r>
+              <a:rPr lang="en-US" sz="3200" dirty="0" err="1" smtClean="0"/>
+              <a:t>chặn</a:t>
+            </a:r>
+            <a:r>
+              <a:rPr lang="en-US" sz="3200" dirty="0" smtClean="0"/>
+              <a:t> </a:t>
+            </a:r>
+            <a:r>
+              <a:rPr lang="en-US" sz="3200" dirty="0" err="1" smtClean="0"/>
+              <a:t>các</a:t>
+            </a:r>
+            <a:r>
+              <a:rPr lang="en-US" sz="3200" dirty="0" smtClean="0"/>
+              <a:t> </a:t>
+            </a:r>
+            <a:r>
+              <a:rPr lang="en-US" sz="3200" dirty="0" err="1" smtClean="0"/>
+              <a:t>hành</a:t>
+            </a:r>
+            <a:r>
+              <a:rPr lang="en-US" sz="3200" dirty="0" smtClean="0"/>
+              <a:t> vi </a:t>
+            </a:r>
+            <a:r>
+              <a:rPr lang="en-US" sz="3200" dirty="0" err="1" smtClean="0"/>
+              <a:t>mặc</a:t>
+            </a:r>
+            <a:r>
+              <a:rPr lang="en-US" sz="3200" dirty="0" smtClean="0"/>
+              <a:t> </a:t>
+            </a:r>
+            <a:r>
+              <a:rPr lang="en-US" sz="3200" dirty="0" err="1" smtClean="0"/>
+              <a:t>định</a:t>
+            </a:r>
+            <a:r>
+              <a:rPr lang="en-US" sz="3200" dirty="0" smtClean="0"/>
+              <a:t> </a:t>
+            </a:r>
+            <a:r>
+              <a:rPr lang="en-US" sz="3200" dirty="0" err="1" smtClean="0"/>
+              <a:t>của</a:t>
+            </a:r>
+            <a:r>
+              <a:rPr lang="en-US" sz="3200" dirty="0" smtClean="0"/>
+              <a:t> HTML Form</a:t>
+            </a:r>
+            <a:endParaRPr lang="en-US" sz="3200" dirty="0">
+              <a:solidFill>
+                <a:srgbClr val="1E293B"/>
+              </a:solidFill>
+              <a:latin typeface="Bricolage Grotesque Bold" panose="020B0604020202020204" charset="0"/>
+              <a:ea typeface="Bricolage Grotesque"/>
+              <a:cs typeface="Bricolage Grotesque"/>
+              <a:sym typeface="Bricolage Grotesque"/>
+            </a:endParaRPr>
+          </a:p>
+        </p:txBody>
+      </p:sp>
+      <p:pic>
+        <p:nvPicPr>
+          <p:cNvPr id="5" name="Picture 4"/>
+          <p:cNvPicPr>
+            <a:picLocks noChangeAspect="1"/>
+          </p:cNvPicPr>
+          <p:nvPr/>
+        </p:nvPicPr>
+        <p:blipFill>
+          <a:blip r:embed="rId2"/>
+          <a:stretch>
+            <a:fillRect/>
+          </a:stretch>
+        </p:blipFill>
+        <p:spPr>
+          <a:xfrm>
+            <a:off x="1066800" y="2579040"/>
+            <a:ext cx="7811049" cy="5183033"/>
+          </a:xfrm>
+          <a:prstGeom prst="rect">
+            <a:avLst/>
+          </a:prstGeom>
+        </p:spPr>
+      </p:pic>
+      <p:pic>
+        <p:nvPicPr>
+          <p:cNvPr id="6" name="Picture 5"/>
+          <p:cNvPicPr>
+            <a:picLocks noChangeAspect="1"/>
+          </p:cNvPicPr>
+          <p:nvPr/>
+        </p:nvPicPr>
+        <p:blipFill>
+          <a:blip r:embed="rId3"/>
+          <a:stretch>
+            <a:fillRect/>
+          </a:stretch>
+        </p:blipFill>
+        <p:spPr>
+          <a:xfrm>
+            <a:off x="9144000" y="2552700"/>
+            <a:ext cx="7850745" cy="5209373"/>
+          </a:xfrm>
+          <a:prstGeom prst="rect">
+            <a:avLst/>
+          </a:prstGeom>
+        </p:spPr>
+      </p:pic>
+      <p:sp>
+        <p:nvSpPr>
+          <p:cNvPr id="7" name="TextBox 6"/>
+          <p:cNvSpPr txBox="1"/>
+          <p:nvPr/>
+        </p:nvSpPr>
+        <p:spPr>
+          <a:xfrm>
+            <a:off x="876849" y="7947439"/>
+            <a:ext cx="8001000" cy="1076770"/>
+          </a:xfrm>
+          <a:prstGeom prst="rect">
+            <a:avLst/>
+          </a:prstGeom>
+        </p:spPr>
+        <p:txBody>
+          <a:bodyPr wrap="square" lIns="0" tIns="0" rIns="0" bIns="0" rtlCol="0" anchor="t">
+            <a:spAutoFit/>
+          </a:bodyPr>
+          <a:lstStyle/>
+          <a:p>
+            <a:pPr marL="323850" lvl="1">
+              <a:lnSpc>
+                <a:spcPts val="4500"/>
+              </a:lnSpc>
+            </a:pPr>
+            <a:r>
+              <a:rPr lang="en-US" sz="2000" dirty="0" smtClean="0">
+                <a:latin typeface="Arial" panose="020B0604020202020204" pitchFamily="34" charset="0"/>
+                <a:cs typeface="Arial" panose="020B0604020202020204" pitchFamily="34" charset="0"/>
+              </a:rPr>
+              <a:t>Default Function</a:t>
+            </a:r>
+          </a:p>
+          <a:p>
+            <a:pPr marL="323850" lvl="1">
+              <a:lnSpc>
+                <a:spcPts val="4500"/>
+              </a:lnSpc>
+            </a:pPr>
+            <a:r>
+              <a:rPr lang="en-US" sz="2000" dirty="0" smtClean="0">
+                <a:solidFill>
+                  <a:schemeClr val="tx1">
+                    <a:lumMod val="75000"/>
+                    <a:lumOff val="25000"/>
+                  </a:schemeClr>
+                </a:solidFill>
+                <a:latin typeface="Arial" panose="020B0604020202020204" pitchFamily="34" charset="0"/>
+                <a:cs typeface="Arial" panose="020B0604020202020204" pitchFamily="34" charset="0"/>
+              </a:rPr>
+              <a:t>- </a:t>
+            </a:r>
+            <a:r>
+              <a:rPr lang="vi-VN" sz="2000" dirty="0" smtClean="0">
+                <a:solidFill>
+                  <a:schemeClr val="tx1">
+                    <a:lumMod val="75000"/>
+                    <a:lumOff val="25000"/>
+                  </a:schemeClr>
+                </a:solidFill>
+                <a:latin typeface="Arial" panose="020B0604020202020204" pitchFamily="34" charset="0"/>
+                <a:cs typeface="Arial" panose="020B0604020202020204" pitchFamily="34" charset="0"/>
+              </a:rPr>
+              <a:t>React </a:t>
+            </a:r>
+            <a:r>
+              <a:rPr lang="vi-VN" sz="2000" dirty="0">
+                <a:solidFill>
+                  <a:schemeClr val="tx1">
+                    <a:lumMod val="75000"/>
+                    <a:lumOff val="25000"/>
+                  </a:schemeClr>
+                </a:solidFill>
+                <a:latin typeface="Arial" panose="020B0604020202020204" pitchFamily="34" charset="0"/>
+                <a:cs typeface="Arial" panose="020B0604020202020204" pitchFamily="34" charset="0"/>
+              </a:rPr>
+              <a:t>sẽ tự động truyền đối tượng sự kiện vào hàm xử lý sự kiện</a:t>
+            </a:r>
+            <a:endParaRPr lang="en-US" sz="2000" dirty="0">
+              <a:solidFill>
+                <a:schemeClr val="tx1">
+                  <a:lumMod val="75000"/>
+                  <a:lumOff val="25000"/>
+                </a:schemeClr>
+              </a:solidFill>
+              <a:latin typeface="Arial" panose="020B0604020202020204" pitchFamily="34" charset="0"/>
+              <a:ea typeface="Bricolage Grotesque"/>
+              <a:cs typeface="Arial" panose="020B0604020202020204" pitchFamily="34" charset="0"/>
+              <a:sym typeface="Bricolage Grotesque"/>
+            </a:endParaRPr>
+          </a:p>
+        </p:txBody>
+      </p:sp>
+      <p:sp>
+        <p:nvSpPr>
+          <p:cNvPr id="8" name="TextBox 7"/>
+          <p:cNvSpPr txBox="1"/>
+          <p:nvPr/>
+        </p:nvSpPr>
+        <p:spPr>
+          <a:xfrm>
+            <a:off x="8993745" y="7947439"/>
+            <a:ext cx="8001000" cy="1068306"/>
+          </a:xfrm>
+          <a:prstGeom prst="rect">
+            <a:avLst/>
+          </a:prstGeom>
+        </p:spPr>
+        <p:txBody>
+          <a:bodyPr wrap="square" lIns="0" tIns="0" rIns="0" bIns="0" rtlCol="0" anchor="t">
+            <a:spAutoFit/>
+          </a:bodyPr>
+          <a:lstStyle/>
+          <a:p>
+            <a:pPr marL="323850" lvl="1">
+              <a:lnSpc>
+                <a:spcPts val="4500"/>
+              </a:lnSpc>
+            </a:pPr>
+            <a:r>
+              <a:rPr lang="en-US" sz="2000" dirty="0" smtClean="0">
+                <a:latin typeface="Arial" panose="020B0604020202020204" pitchFamily="34" charset="0"/>
+                <a:cs typeface="Arial" panose="020B0604020202020204" pitchFamily="34" charset="0"/>
+              </a:rPr>
+              <a:t>Arrow Function</a:t>
+            </a:r>
+          </a:p>
+          <a:p>
+            <a:pPr marL="323850" lvl="1">
+              <a:lnSpc>
+                <a:spcPts val="4500"/>
+              </a:lnSpc>
+            </a:pPr>
+            <a:r>
+              <a:rPr lang="en-US" sz="2000" dirty="0" smtClean="0">
+                <a:solidFill>
+                  <a:schemeClr val="tx1">
+                    <a:lumMod val="75000"/>
+                    <a:lumOff val="25000"/>
+                  </a:schemeClr>
+                </a:solidFill>
+                <a:latin typeface="Arial" panose="020B0604020202020204" pitchFamily="34" charset="0"/>
+                <a:cs typeface="Arial" panose="020B0604020202020204" pitchFamily="34" charset="0"/>
+              </a:rPr>
+              <a:t>- </a:t>
+            </a:r>
+            <a:r>
+              <a:rPr lang="en-US" sz="2000" dirty="0" err="1" smtClean="0">
+                <a:solidFill>
+                  <a:schemeClr val="tx1">
+                    <a:lumMod val="75000"/>
+                    <a:lumOff val="25000"/>
+                  </a:schemeClr>
+                </a:solidFill>
+                <a:latin typeface="Arial" panose="020B0604020202020204" pitchFamily="34" charset="0"/>
+                <a:cs typeface="Arial" panose="020B0604020202020204" pitchFamily="34" charset="0"/>
+              </a:rPr>
+              <a:t>Phải</a:t>
+            </a:r>
+            <a:r>
+              <a:rPr lang="en-US" sz="2000" dirty="0" smtClean="0">
+                <a:solidFill>
+                  <a:schemeClr val="tx1">
+                    <a:lumMod val="75000"/>
+                    <a:lumOff val="25000"/>
+                  </a:schemeClr>
+                </a:solidFill>
+                <a:latin typeface="Arial" panose="020B0604020202020204" pitchFamily="34" charset="0"/>
+                <a:cs typeface="Arial" panose="020B0604020202020204" pitchFamily="34" charset="0"/>
+              </a:rPr>
+              <a:t> </a:t>
+            </a:r>
+            <a:r>
+              <a:rPr lang="en-US" sz="2000" dirty="0" err="1" smtClean="0">
+                <a:solidFill>
+                  <a:schemeClr val="tx1">
+                    <a:lumMod val="75000"/>
+                    <a:lumOff val="25000"/>
+                  </a:schemeClr>
+                </a:solidFill>
+                <a:latin typeface="Arial" panose="020B0604020202020204" pitchFamily="34" charset="0"/>
+                <a:cs typeface="Arial" panose="020B0604020202020204" pitchFamily="34" charset="0"/>
+              </a:rPr>
+              <a:t>thêm</a:t>
+            </a:r>
+            <a:r>
+              <a:rPr lang="en-US" sz="2000" dirty="0" smtClean="0">
+                <a:solidFill>
+                  <a:schemeClr val="tx1">
+                    <a:lumMod val="75000"/>
+                    <a:lumOff val="25000"/>
+                  </a:schemeClr>
+                </a:solidFill>
+                <a:latin typeface="Arial" panose="020B0604020202020204" pitchFamily="34" charset="0"/>
+                <a:cs typeface="Arial" panose="020B0604020202020204" pitchFamily="34" charset="0"/>
+              </a:rPr>
+              <a:t> event </a:t>
+            </a:r>
+            <a:r>
+              <a:rPr lang="en-US" sz="2000" dirty="0" err="1" smtClean="0">
+                <a:solidFill>
+                  <a:schemeClr val="tx1">
+                    <a:lumMod val="75000"/>
+                    <a:lumOff val="25000"/>
+                  </a:schemeClr>
+                </a:solidFill>
+                <a:latin typeface="Arial" panose="020B0604020202020204" pitchFamily="34" charset="0"/>
+                <a:cs typeface="Arial" panose="020B0604020202020204" pitchFamily="34" charset="0"/>
+              </a:rPr>
+              <a:t>truyền</a:t>
+            </a:r>
+            <a:r>
+              <a:rPr lang="en-US" sz="2000" dirty="0" smtClean="0">
+                <a:solidFill>
+                  <a:schemeClr val="tx1">
+                    <a:lumMod val="75000"/>
+                    <a:lumOff val="25000"/>
+                  </a:schemeClr>
+                </a:solidFill>
+                <a:latin typeface="Arial" panose="020B0604020202020204" pitchFamily="34" charset="0"/>
+                <a:cs typeface="Arial" panose="020B0604020202020204" pitchFamily="34" charset="0"/>
+              </a:rPr>
+              <a:t> </a:t>
+            </a:r>
+            <a:r>
+              <a:rPr lang="en-US" sz="2000" dirty="0" err="1" smtClean="0">
+                <a:solidFill>
+                  <a:schemeClr val="tx1">
+                    <a:lumMod val="75000"/>
+                    <a:lumOff val="25000"/>
+                  </a:schemeClr>
+                </a:solidFill>
+                <a:latin typeface="Arial" panose="020B0604020202020204" pitchFamily="34" charset="0"/>
+                <a:cs typeface="Arial" panose="020B0604020202020204" pitchFamily="34" charset="0"/>
+              </a:rPr>
+              <a:t>vào</a:t>
+            </a:r>
+            <a:r>
+              <a:rPr lang="en-US" sz="2000" dirty="0" smtClean="0">
+                <a:solidFill>
+                  <a:schemeClr val="tx1">
+                    <a:lumMod val="75000"/>
+                    <a:lumOff val="25000"/>
+                  </a:schemeClr>
+                </a:solidFill>
+                <a:latin typeface="Arial" panose="020B0604020202020204" pitchFamily="34" charset="0"/>
+                <a:cs typeface="Arial" panose="020B0604020202020204" pitchFamily="34" charset="0"/>
+              </a:rPr>
+              <a:t> </a:t>
+            </a:r>
+            <a:r>
+              <a:rPr lang="en-US" sz="2000" dirty="0" err="1" smtClean="0">
+                <a:solidFill>
+                  <a:schemeClr val="tx1">
+                    <a:lumMod val="75000"/>
+                    <a:lumOff val="25000"/>
+                  </a:schemeClr>
+                </a:solidFill>
+                <a:latin typeface="Arial" panose="020B0604020202020204" pitchFamily="34" charset="0"/>
+                <a:cs typeface="Arial" panose="020B0604020202020204" pitchFamily="34" charset="0"/>
+              </a:rPr>
+              <a:t>hàm</a:t>
+            </a:r>
+            <a:endParaRPr lang="en-US" sz="2000" dirty="0">
+              <a:solidFill>
+                <a:schemeClr val="tx1">
+                  <a:lumMod val="75000"/>
+                  <a:lumOff val="25000"/>
+                </a:schemeClr>
+              </a:solidFill>
+              <a:latin typeface="Arial" panose="020B0604020202020204" pitchFamily="34" charset="0"/>
+              <a:ea typeface="Bricolage Grotesque"/>
+              <a:cs typeface="Arial" panose="020B0604020202020204" pitchFamily="34" charset="0"/>
+              <a:sym typeface="Bricolage Grotesque"/>
+            </a:endParaRPr>
+          </a:p>
+        </p:txBody>
+      </p:sp>
+    </p:spTree>
+    <p:extLst>
+      <p:ext uri="{BB962C8B-B14F-4D97-AF65-F5344CB8AC3E}">
+        <p14:creationId xmlns:p14="http://schemas.microsoft.com/office/powerpoint/2010/main" val="3918700157"/>
+      </p:ext>
+    </p:extLst>
+  </p:cSld>
+  <p:clrMapOvr>
+    <a:masterClrMapping/>
+  </p:clrMapOvr>
+  <p:timing>
+    <p:tnLst>
+      <p:par>
+        <p:cTn id="1" dur="indefinite" restart="never" nodeType="tmRoot"/>
+      </p:par>
+    </p:tnLst>
+  </p:timing>
+</p:sld>
+</file>
+
+<file path=ppt/slides/slide8.xml><?xml version="1.0" encoding="utf-8"?>
 <p:sld xmlns:a="http://schemas.openxmlformats.org/drawingml/2006/main" xmlns:r="http://schemas.openxmlformats.org/officeDocument/2006/relationships" xmlns:p="http://schemas.openxmlformats.org/presentationml/2006/main">
   <p:cSld>
     <p:spTree>
@@ -6699,7 +7671,7 @@
 </p:sld>
 </file>
 
-<file path=ppt/slides/slide7.xml><?xml version="1.0" encoding="utf-8"?>
+<file path=ppt/slides/slide9.xml><?xml version="1.0" encoding="utf-8"?>
 <p:sld xmlns:a="http://schemas.openxmlformats.org/drawingml/2006/main" xmlns:r="http://schemas.openxmlformats.org/officeDocument/2006/relationships" xmlns:p="http://schemas.openxmlformats.org/presentationml/2006/main">
   <p:cSld>
     <p:spTree>
@@ -7146,813 +8118,6 @@
         <p14:creationId xmlns:p14="http://schemas.microsoft.com/office/powerpoint/2010/main" val="1418611649"/>
       </p:ext>
     </p:extLst>
-  </p:cSld>
-  <p:clrMapOvr>
-    <a:masterClrMapping/>
-  </p:clrMapOvr>
-  <p:timing>
-    <p:tnLst>
-      <p:par>
-        <p:cTn id="1" dur="indefinite" restart="never" nodeType="tmRoot"/>
-      </p:par>
-    </p:tnLst>
-  </p:timing>
-</p:sld>
-</file>
-
-<file path=ppt/slides/slide8.xml><?xml version="1.0" encoding="utf-8"?>
-<p:sld xmlns:a="http://schemas.openxmlformats.org/drawingml/2006/main" xmlns:r="http://schemas.openxmlformats.org/officeDocument/2006/relationships" xmlns:p="http://schemas.openxmlformats.org/presentationml/2006/main">
-  <p:cSld>
-    <p:bg>
-      <p:bgPr>
-        <a:solidFill>
-          <a:srgbClr val="F7F7F7"/>
-        </a:solidFill>
-        <a:effectLst/>
-      </p:bgPr>
-    </p:bg>
-    <p:spTree>
-      <p:nvGrpSpPr>
-        <p:cNvPr id="1" name=""/>
-        <p:cNvGrpSpPr/>
-        <p:nvPr/>
-      </p:nvGrpSpPr>
-      <p:grpSpPr>
-        <a:xfrm>
-          <a:off x="0" y="0"/>
-          <a:ext cx="0" cy="0"/>
-          <a:chOff x="0" y="0"/>
-          <a:chExt cx="0" cy="0"/>
-        </a:xfrm>
-      </p:grpSpPr>
-      <p:sp>
-        <p:nvSpPr>
-          <p:cNvPr id="8" name="TextBox 3"/>
-          <p:cNvSpPr txBox="1"/>
-          <p:nvPr/>
-        </p:nvSpPr>
-        <p:spPr>
-          <a:xfrm>
-            <a:off x="533400" y="1409700"/>
-            <a:ext cx="4495800" cy="543034"/>
-          </a:xfrm>
-          <a:prstGeom prst="rect">
-            <a:avLst/>
-          </a:prstGeom>
-        </p:spPr>
-        <p:txBody>
-          <a:bodyPr wrap="square" lIns="0" tIns="0" rIns="0" bIns="0" rtlCol="0" anchor="t">
-            <a:spAutoFit/>
-          </a:bodyPr>
-          <a:lstStyle/>
-          <a:p>
-            <a:pPr marL="323850" lvl="1">
-              <a:lnSpc>
-                <a:spcPts val="4500"/>
-              </a:lnSpc>
-            </a:pPr>
-            <a:r>
-              <a:rPr lang="en-US" sz="3200" b="1" dirty="0" err="1" smtClean="0">
-                <a:solidFill>
-                  <a:srgbClr val="FF0000"/>
-                </a:solidFill>
-              </a:rPr>
-              <a:t>Lưu</a:t>
-            </a:r>
-            <a:r>
-              <a:rPr lang="en-US" sz="3200" b="1" dirty="0" smtClean="0">
-                <a:solidFill>
-                  <a:srgbClr val="FF0000"/>
-                </a:solidFill>
-              </a:rPr>
-              <a:t> ý:</a:t>
-            </a:r>
-            <a:endParaRPr lang="en-US" sz="3200" b="1" dirty="0">
-              <a:solidFill>
-                <a:srgbClr val="FF0000"/>
-              </a:solidFill>
-              <a:latin typeface="Bricolage Grotesque Bold" panose="020B0604020202020204" charset="0"/>
-              <a:ea typeface="Bricolage Grotesque"/>
-              <a:cs typeface="Bricolage Grotesque"/>
-              <a:sym typeface="Bricolage Grotesque"/>
-            </a:endParaRPr>
-          </a:p>
-        </p:txBody>
-      </p:sp>
-      <p:pic>
-        <p:nvPicPr>
-          <p:cNvPr id="2" name="Picture 1"/>
-          <p:cNvPicPr>
-            <a:picLocks noChangeAspect="1"/>
-          </p:cNvPicPr>
-          <p:nvPr/>
-        </p:nvPicPr>
-        <p:blipFill>
-          <a:blip r:embed="rId2"/>
-          <a:stretch>
-            <a:fillRect/>
-          </a:stretch>
-        </p:blipFill>
-        <p:spPr>
-          <a:xfrm>
-            <a:off x="9144000" y="1562100"/>
-            <a:ext cx="8399117" cy="8201025"/>
-          </a:xfrm>
-          <a:prstGeom prst="rect">
-            <a:avLst/>
-          </a:prstGeom>
-        </p:spPr>
-      </p:pic>
-      <p:sp>
-        <p:nvSpPr>
-          <p:cNvPr id="10" name="TextBox 3"/>
-          <p:cNvSpPr txBox="1"/>
-          <p:nvPr/>
-        </p:nvSpPr>
-        <p:spPr>
-          <a:xfrm>
-            <a:off x="517742" y="2152518"/>
-            <a:ext cx="7620000" cy="5193729"/>
-          </a:xfrm>
-          <a:prstGeom prst="rect">
-            <a:avLst/>
-          </a:prstGeom>
-        </p:spPr>
-        <p:txBody>
-          <a:bodyPr wrap="square" lIns="0" tIns="0" rIns="0" bIns="0" rtlCol="0" anchor="t">
-            <a:spAutoFit/>
-          </a:bodyPr>
-          <a:lstStyle/>
-          <a:p>
-            <a:pPr marL="323850" lvl="1">
-              <a:lnSpc>
-                <a:spcPts val="4500"/>
-              </a:lnSpc>
-            </a:pPr>
-            <a:r>
-              <a:rPr lang="vi-VN" sz="3200" dirty="0" smtClean="0">
-                <a:latin typeface="Calibri" panose="020F0502020204030204" pitchFamily="34" charset="0"/>
-                <a:ea typeface="Calibri" panose="020F0502020204030204" pitchFamily="34" charset="0"/>
-                <a:cs typeface="Calibri" panose="020F0502020204030204" pitchFamily="34" charset="0"/>
-              </a:rPr>
-              <a:t>Cập </a:t>
-            </a:r>
-            <a:r>
-              <a:rPr lang="vi-VN" sz="3200" dirty="0">
-                <a:latin typeface="Calibri" panose="020F0502020204030204" pitchFamily="34" charset="0"/>
-                <a:ea typeface="Calibri" panose="020F0502020204030204" pitchFamily="34" charset="0"/>
-                <a:cs typeface="Calibri" panose="020F0502020204030204" pitchFamily="34" charset="0"/>
-              </a:rPr>
-              <a:t>nhật state bằng setState là bất đồng bộ. </a:t>
-            </a:r>
-            <a:endParaRPr lang="en-US" sz="3200" dirty="0">
-              <a:latin typeface="Calibri" panose="020F0502020204030204" pitchFamily="34" charset="0"/>
-              <a:ea typeface="Calibri" panose="020F0502020204030204" pitchFamily="34" charset="0"/>
-              <a:cs typeface="Calibri" panose="020F0502020204030204" pitchFamily="34" charset="0"/>
-            </a:endParaRPr>
-          </a:p>
-          <a:p>
-            <a:pPr marL="323850" lvl="1">
-              <a:lnSpc>
-                <a:spcPts val="4500"/>
-              </a:lnSpc>
-            </a:pPr>
-            <a:endParaRPr lang="en-US" sz="3200" dirty="0" smtClean="0">
-              <a:latin typeface="Calibri" panose="020F0502020204030204" pitchFamily="34" charset="0"/>
-              <a:ea typeface="Calibri" panose="020F0502020204030204" pitchFamily="34" charset="0"/>
-              <a:cs typeface="Calibri" panose="020F0502020204030204" pitchFamily="34" charset="0"/>
-            </a:endParaRPr>
-          </a:p>
-          <a:p>
-            <a:pPr marL="323850" lvl="1">
-              <a:lnSpc>
-                <a:spcPts val="4500"/>
-              </a:lnSpc>
-            </a:pPr>
-            <a:r>
-              <a:rPr lang="vi-VN" sz="3200" dirty="0" smtClean="0">
-                <a:latin typeface="Calibri" panose="020F0502020204030204" pitchFamily="34" charset="0"/>
-                <a:ea typeface="Calibri" panose="020F0502020204030204" pitchFamily="34" charset="0"/>
-                <a:cs typeface="Calibri" panose="020F0502020204030204" pitchFamily="34" charset="0"/>
-              </a:rPr>
-              <a:t>Điều </a:t>
-            </a:r>
-            <a:r>
-              <a:rPr lang="vi-VN" sz="3200" dirty="0">
-                <a:latin typeface="Calibri" panose="020F0502020204030204" pitchFamily="34" charset="0"/>
-                <a:ea typeface="Calibri" panose="020F0502020204030204" pitchFamily="34" charset="0"/>
-                <a:cs typeface="Calibri" panose="020F0502020204030204" pitchFamily="34" charset="0"/>
-              </a:rPr>
-              <a:t>này có nghĩa là nếu bạn gọi setCount(count + 1); nhiều lần liên tiếp mà không có delay, giá trị của count có thể không được cập nhật ngay lập tức. </a:t>
-            </a:r>
-            <a:endParaRPr lang="en-US" sz="3200" dirty="0" smtClean="0">
-              <a:latin typeface="Calibri" panose="020F0502020204030204" pitchFamily="34" charset="0"/>
-              <a:ea typeface="Calibri" panose="020F0502020204030204" pitchFamily="34" charset="0"/>
-              <a:cs typeface="Calibri" panose="020F0502020204030204" pitchFamily="34" charset="0"/>
-            </a:endParaRPr>
-          </a:p>
-          <a:p>
-            <a:pPr marL="323850" lvl="1">
-              <a:lnSpc>
-                <a:spcPts val="4500"/>
-              </a:lnSpc>
-            </a:pPr>
-            <a:endParaRPr lang="en-US" sz="3200" dirty="0">
-              <a:latin typeface="Calibri" panose="020F0502020204030204" pitchFamily="34" charset="0"/>
-              <a:ea typeface="Calibri" panose="020F0502020204030204" pitchFamily="34" charset="0"/>
-              <a:cs typeface="Calibri" panose="020F0502020204030204" pitchFamily="34" charset="0"/>
-            </a:endParaRPr>
-          </a:p>
-          <a:p>
-            <a:pPr marL="323850" lvl="1">
-              <a:lnSpc>
-                <a:spcPts val="4500"/>
-              </a:lnSpc>
-            </a:pPr>
-            <a:r>
-              <a:rPr lang="vi-VN" sz="3200" dirty="0" smtClean="0">
-                <a:latin typeface="Calibri" panose="020F0502020204030204" pitchFamily="34" charset="0"/>
-                <a:ea typeface="Calibri" panose="020F0502020204030204" pitchFamily="34" charset="0"/>
-                <a:cs typeface="Calibri" panose="020F0502020204030204" pitchFamily="34" charset="0"/>
-              </a:rPr>
-              <a:t>Để </a:t>
-            </a:r>
-            <a:r>
-              <a:rPr lang="vi-VN" sz="3200" dirty="0">
-                <a:latin typeface="Calibri" panose="020F0502020204030204" pitchFamily="34" charset="0"/>
-                <a:ea typeface="Calibri" panose="020F0502020204030204" pitchFamily="34" charset="0"/>
-                <a:cs typeface="Calibri" panose="020F0502020204030204" pitchFamily="34" charset="0"/>
-              </a:rPr>
-              <a:t>tránh vấn đề này, bạn có thể sử dụng hàm trong setCount:</a:t>
-            </a:r>
-            <a:endParaRPr lang="en-US" sz="3200" dirty="0">
-              <a:solidFill>
-                <a:srgbClr val="1E293B"/>
-              </a:solidFill>
-              <a:latin typeface="Calibri" panose="020F0502020204030204" pitchFamily="34" charset="0"/>
-              <a:ea typeface="Calibri" panose="020F0502020204030204" pitchFamily="34" charset="0"/>
-              <a:cs typeface="Calibri" panose="020F0502020204030204" pitchFamily="34" charset="0"/>
-              <a:sym typeface="Bricolage Grotesque"/>
-            </a:endParaRPr>
-          </a:p>
-        </p:txBody>
-      </p:sp>
-      <p:sp>
-        <p:nvSpPr>
-          <p:cNvPr id="11" name="TextBox 2"/>
-          <p:cNvSpPr txBox="1"/>
-          <p:nvPr/>
-        </p:nvSpPr>
-        <p:spPr>
-          <a:xfrm>
-            <a:off x="0" y="266700"/>
-            <a:ext cx="18288000" cy="846386"/>
-          </a:xfrm>
-          <a:prstGeom prst="rect">
-            <a:avLst/>
-          </a:prstGeom>
-        </p:spPr>
-        <p:txBody>
-          <a:bodyPr lIns="0" tIns="0" rIns="0" bIns="0" rtlCol="0" anchor="t">
-            <a:spAutoFit/>
-          </a:bodyPr>
-          <a:lstStyle/>
-          <a:p>
-            <a:pPr marL="0" lvl="0" indent="0" algn="ctr">
-              <a:lnSpc>
-                <a:spcPts val="6999"/>
-              </a:lnSpc>
-              <a:spcBef>
-                <a:spcPct val="0"/>
-              </a:spcBef>
-            </a:pPr>
-            <a:r>
-              <a:rPr lang="en-US" sz="5000" b="1" dirty="0" err="1" smtClean="0">
-                <a:solidFill>
-                  <a:srgbClr val="1E293B"/>
-                </a:solidFill>
-                <a:latin typeface="Bricolage Grotesque Bold"/>
-                <a:ea typeface="Bricolage Grotesque Bold"/>
-                <a:cs typeface="Bricolage Grotesque Bold"/>
-                <a:sym typeface="Bricolage Grotesque Bold"/>
-              </a:rPr>
-              <a:t>Nguyên</a:t>
-            </a:r>
-            <a:r>
-              <a:rPr lang="en-US" sz="5000" b="1" dirty="0" smtClean="0">
-                <a:solidFill>
-                  <a:srgbClr val="1E293B"/>
-                </a:solidFill>
-                <a:latin typeface="Bricolage Grotesque Bold"/>
-                <a:ea typeface="Bricolage Grotesque Bold"/>
-                <a:cs typeface="Bricolage Grotesque Bold"/>
-                <a:sym typeface="Bricolage Grotesque Bold"/>
-              </a:rPr>
-              <a:t> </a:t>
-            </a:r>
-            <a:r>
-              <a:rPr lang="en-US" sz="5000" b="1" dirty="0" err="1" smtClean="0">
-                <a:solidFill>
-                  <a:srgbClr val="1E293B"/>
-                </a:solidFill>
-                <a:latin typeface="Bricolage Grotesque Bold"/>
-                <a:ea typeface="Bricolage Grotesque Bold"/>
-                <a:cs typeface="Bricolage Grotesque Bold"/>
-                <a:sym typeface="Bricolage Grotesque Bold"/>
-              </a:rPr>
-              <a:t>lý</a:t>
-            </a:r>
-            <a:r>
-              <a:rPr lang="en-US" sz="5000" b="1" dirty="0" smtClean="0">
-                <a:solidFill>
-                  <a:srgbClr val="1E293B"/>
-                </a:solidFill>
-                <a:latin typeface="Bricolage Grotesque Bold"/>
-                <a:ea typeface="Bricolage Grotesque Bold"/>
-                <a:cs typeface="Bricolage Grotesque Bold"/>
-                <a:sym typeface="Bricolage Grotesque Bold"/>
-              </a:rPr>
-              <a:t> </a:t>
-            </a:r>
-            <a:r>
-              <a:rPr lang="en-US" sz="5000" b="1" dirty="0" err="1" smtClean="0">
-                <a:solidFill>
-                  <a:srgbClr val="1E293B"/>
-                </a:solidFill>
-                <a:latin typeface="Bricolage Grotesque Bold"/>
-                <a:ea typeface="Bricolage Grotesque Bold"/>
-                <a:cs typeface="Bricolage Grotesque Bold"/>
-                <a:sym typeface="Bricolage Grotesque Bold"/>
-              </a:rPr>
-              <a:t>hoạt</a:t>
-            </a:r>
-            <a:r>
-              <a:rPr lang="en-US" sz="5000" b="1" dirty="0" smtClean="0">
-                <a:solidFill>
-                  <a:srgbClr val="1E293B"/>
-                </a:solidFill>
-                <a:latin typeface="Bricolage Grotesque Bold"/>
-                <a:ea typeface="Bricolage Grotesque Bold"/>
-                <a:cs typeface="Bricolage Grotesque Bold"/>
-                <a:sym typeface="Bricolage Grotesque Bold"/>
-              </a:rPr>
-              <a:t> </a:t>
-            </a:r>
-            <a:r>
-              <a:rPr lang="en-US" sz="5000" b="1" dirty="0" err="1" smtClean="0">
-                <a:solidFill>
-                  <a:srgbClr val="1E293B"/>
-                </a:solidFill>
-                <a:latin typeface="Bricolage Grotesque Bold"/>
-                <a:ea typeface="Bricolage Grotesque Bold"/>
-                <a:cs typeface="Bricolage Grotesque Bold"/>
-                <a:sym typeface="Bricolage Grotesque Bold"/>
-              </a:rPr>
-              <a:t>động</a:t>
-            </a:r>
-            <a:endParaRPr lang="en-US" sz="5000" b="1" dirty="0">
-              <a:solidFill>
-                <a:srgbClr val="1E293B"/>
-              </a:solidFill>
-              <a:latin typeface="Bricolage Grotesque Bold"/>
-              <a:ea typeface="Bricolage Grotesque Bold"/>
-              <a:cs typeface="Bricolage Grotesque Bold"/>
-              <a:sym typeface="Bricolage Grotesque Bold"/>
-            </a:endParaRPr>
-          </a:p>
-        </p:txBody>
-      </p:sp>
-      <p:pic>
-        <p:nvPicPr>
-          <p:cNvPr id="3" name="Picture 2"/>
-          <p:cNvPicPr>
-            <a:picLocks noChangeAspect="1"/>
-          </p:cNvPicPr>
-          <p:nvPr/>
-        </p:nvPicPr>
-        <p:blipFill>
-          <a:blip r:embed="rId3"/>
-          <a:stretch>
-            <a:fillRect/>
-          </a:stretch>
-        </p:blipFill>
-        <p:spPr>
-          <a:xfrm>
-            <a:off x="1885689" y="7923329"/>
-            <a:ext cx="5200911" cy="1865544"/>
-          </a:xfrm>
-          <a:prstGeom prst="rect">
-            <a:avLst/>
-          </a:prstGeom>
-        </p:spPr>
-      </p:pic>
-    </p:spTree>
-  </p:cSld>
-  <p:clrMapOvr>
-    <a:masterClrMapping/>
-  </p:clrMapOvr>
-  <p:timing>
-    <p:tnLst>
-      <p:par>
-        <p:cTn id="1" dur="indefinite" restart="never" nodeType="tmRoot"/>
-      </p:par>
-    </p:tnLst>
-  </p:timing>
-</p:sld>
-</file>
-
-<file path=ppt/slides/slide9.xml><?xml version="1.0" encoding="utf-8"?>
-<p:sld xmlns:a="http://schemas.openxmlformats.org/drawingml/2006/main" xmlns:r="http://schemas.openxmlformats.org/officeDocument/2006/relationships" xmlns:p="http://schemas.openxmlformats.org/presentationml/2006/main">
-  <p:cSld>
-    <p:bg>
-      <p:bgPr>
-        <a:solidFill>
-          <a:srgbClr val="F7F7F7"/>
-        </a:solidFill>
-        <a:effectLst/>
-      </p:bgPr>
-    </p:bg>
-    <p:spTree>
-      <p:nvGrpSpPr>
-        <p:cNvPr id="1" name=""/>
-        <p:cNvGrpSpPr/>
-        <p:nvPr/>
-      </p:nvGrpSpPr>
-      <p:grpSpPr>
-        <a:xfrm>
-          <a:off x="0" y="0"/>
-          <a:ext cx="0" cy="0"/>
-          <a:chOff x="0" y="0"/>
-          <a:chExt cx="0" cy="0"/>
-        </a:xfrm>
-      </p:grpSpPr>
-      <p:sp>
-        <p:nvSpPr>
-          <p:cNvPr id="7" name="TextBox 7"/>
-          <p:cNvSpPr txBox="1"/>
-          <p:nvPr/>
-        </p:nvSpPr>
-        <p:spPr>
-          <a:xfrm>
-            <a:off x="13487400" y="2095500"/>
-            <a:ext cx="4343400" cy="2769989"/>
-          </a:xfrm>
-          <a:prstGeom prst="rect">
-            <a:avLst/>
-          </a:prstGeom>
-        </p:spPr>
-        <p:txBody>
-          <a:bodyPr wrap="square" lIns="0" tIns="0" rIns="0" bIns="0" rtlCol="0" anchor="t">
-            <a:spAutoFit/>
-          </a:bodyPr>
-          <a:lstStyle/>
-          <a:p>
-            <a:pPr marL="0" lvl="0" indent="0" algn="l">
-              <a:spcBef>
-                <a:spcPct val="0"/>
-              </a:spcBef>
-            </a:pPr>
-            <a:r>
-              <a:rPr lang="en-US" sz="6000" b="1" u="none" strike="noStrike" dirty="0" err="1" smtClean="0">
-                <a:solidFill>
-                  <a:srgbClr val="1E293B"/>
-                </a:solidFill>
-                <a:latin typeface="Bricolage Grotesque Bold"/>
-                <a:ea typeface="Bricolage Grotesque Bold"/>
-                <a:cs typeface="Bricolage Grotesque Bold"/>
-                <a:sym typeface="Bricolage Grotesque Bold"/>
-              </a:rPr>
-              <a:t>Bài</a:t>
-            </a:r>
-            <a:r>
-              <a:rPr lang="en-US" sz="6000" b="1" u="none" strike="noStrike" dirty="0" smtClean="0">
-                <a:solidFill>
-                  <a:srgbClr val="1E293B"/>
-                </a:solidFill>
-                <a:latin typeface="Bricolage Grotesque Bold"/>
-                <a:ea typeface="Bricolage Grotesque Bold"/>
-                <a:cs typeface="Bricolage Grotesque Bold"/>
-                <a:sym typeface="Bricolage Grotesque Bold"/>
-              </a:rPr>
-              <a:t> </a:t>
-            </a:r>
-            <a:r>
-              <a:rPr lang="en-US" sz="6000" b="1" u="none" strike="noStrike" dirty="0" err="1" smtClean="0">
-                <a:solidFill>
-                  <a:srgbClr val="1E293B"/>
-                </a:solidFill>
-                <a:latin typeface="Bricolage Grotesque Bold"/>
-                <a:ea typeface="Bricolage Grotesque Bold"/>
-                <a:cs typeface="Bricolage Grotesque Bold"/>
-                <a:sym typeface="Bricolage Grotesque Bold"/>
-              </a:rPr>
-              <a:t>tập</a:t>
-            </a:r>
-            <a:r>
-              <a:rPr lang="en-US" sz="6000" b="1" u="none" strike="noStrike" dirty="0" smtClean="0">
-                <a:solidFill>
-                  <a:srgbClr val="1E293B"/>
-                </a:solidFill>
-                <a:latin typeface="Bricolage Grotesque Bold"/>
-                <a:ea typeface="Bricolage Grotesque Bold"/>
-                <a:cs typeface="Bricolage Grotesque Bold"/>
-                <a:sym typeface="Bricolage Grotesque Bold"/>
-              </a:rPr>
-              <a:t> </a:t>
-            </a:r>
-            <a:r>
-              <a:rPr lang="en-US" sz="6000" b="1" u="none" strike="noStrike" dirty="0" err="1" smtClean="0">
-                <a:solidFill>
-                  <a:srgbClr val="1E293B"/>
-                </a:solidFill>
-                <a:latin typeface="Bricolage Grotesque Bold"/>
-                <a:ea typeface="Bricolage Grotesque Bold"/>
-                <a:cs typeface="Bricolage Grotesque Bold"/>
-                <a:sym typeface="Bricolage Grotesque Bold"/>
-              </a:rPr>
-              <a:t>thực</a:t>
-            </a:r>
-            <a:r>
-              <a:rPr lang="en-US" sz="6000" b="1" u="none" strike="noStrike" dirty="0" smtClean="0">
-                <a:solidFill>
-                  <a:srgbClr val="1E293B"/>
-                </a:solidFill>
-                <a:latin typeface="Bricolage Grotesque Bold"/>
-                <a:ea typeface="Bricolage Grotesque Bold"/>
-                <a:cs typeface="Bricolage Grotesque Bold"/>
-                <a:sym typeface="Bricolage Grotesque Bold"/>
-              </a:rPr>
-              <a:t> </a:t>
-            </a:r>
-            <a:r>
-              <a:rPr lang="en-US" sz="6000" b="1" u="none" strike="noStrike" dirty="0" err="1" smtClean="0">
-                <a:solidFill>
-                  <a:srgbClr val="1E293B"/>
-                </a:solidFill>
-                <a:latin typeface="Bricolage Grotesque Bold"/>
-                <a:ea typeface="Bricolage Grotesque Bold"/>
-                <a:cs typeface="Bricolage Grotesque Bold"/>
-                <a:sym typeface="Bricolage Grotesque Bold"/>
-              </a:rPr>
-              <a:t>hành</a:t>
-            </a:r>
-            <a:r>
-              <a:rPr lang="en-US" sz="6000" b="1" u="none" strike="noStrike" dirty="0" smtClean="0">
-                <a:solidFill>
-                  <a:srgbClr val="1E293B"/>
-                </a:solidFill>
-                <a:latin typeface="Bricolage Grotesque Bold"/>
-                <a:ea typeface="Bricolage Grotesque Bold"/>
-                <a:cs typeface="Bricolage Grotesque Bold"/>
-                <a:sym typeface="Bricolage Grotesque Bold"/>
-              </a:rPr>
-              <a:t> </a:t>
-            </a:r>
-            <a:r>
-              <a:rPr lang="en-US" sz="6000" b="1" u="none" strike="noStrike" dirty="0" err="1" smtClean="0">
-                <a:solidFill>
-                  <a:srgbClr val="1E293B"/>
-                </a:solidFill>
-                <a:latin typeface="Bricolage Grotesque Bold"/>
-                <a:ea typeface="Bricolage Grotesque Bold"/>
-                <a:cs typeface="Bricolage Grotesque Bold"/>
-                <a:sym typeface="Bricolage Grotesque Bold"/>
-              </a:rPr>
-              <a:t>tại</a:t>
-            </a:r>
-            <a:r>
-              <a:rPr lang="en-US" sz="6000" b="1" u="none" strike="noStrike" dirty="0" smtClean="0">
-                <a:solidFill>
-                  <a:srgbClr val="1E293B"/>
-                </a:solidFill>
-                <a:latin typeface="Bricolage Grotesque Bold"/>
-                <a:ea typeface="Bricolage Grotesque Bold"/>
-                <a:cs typeface="Bricolage Grotesque Bold"/>
-                <a:sym typeface="Bricolage Grotesque Bold"/>
-              </a:rPr>
-              <a:t> </a:t>
-            </a:r>
-            <a:r>
-              <a:rPr lang="en-US" sz="6000" b="1" u="none" strike="noStrike" dirty="0" err="1" smtClean="0">
-                <a:solidFill>
-                  <a:srgbClr val="1E293B"/>
-                </a:solidFill>
-                <a:latin typeface="Bricolage Grotesque Bold"/>
-                <a:ea typeface="Bricolage Grotesque Bold"/>
-                <a:cs typeface="Bricolage Grotesque Bold"/>
-                <a:sym typeface="Bricolage Grotesque Bold"/>
-              </a:rPr>
-              <a:t>lớp</a:t>
-            </a:r>
-            <a:endParaRPr lang="en-US" sz="6000" b="1" u="none" strike="noStrike" dirty="0">
-              <a:solidFill>
-                <a:srgbClr val="1E293B"/>
-              </a:solidFill>
-              <a:latin typeface="Bricolage Grotesque Bold"/>
-              <a:ea typeface="Bricolage Grotesque Bold"/>
-              <a:cs typeface="Bricolage Grotesque Bold"/>
-              <a:sym typeface="Bricolage Grotesque Bold"/>
-            </a:endParaRPr>
-          </a:p>
-        </p:txBody>
-      </p:sp>
-      <p:grpSp>
-        <p:nvGrpSpPr>
-          <p:cNvPr id="14" name="Group 14"/>
-          <p:cNvGrpSpPr/>
-          <p:nvPr/>
-        </p:nvGrpSpPr>
-        <p:grpSpPr>
-          <a:xfrm>
-            <a:off x="15493924" y="6934200"/>
-            <a:ext cx="3467057" cy="4305236"/>
-            <a:chOff x="0" y="0"/>
-            <a:chExt cx="4622743" cy="5740315"/>
-          </a:xfrm>
-        </p:grpSpPr>
-        <p:sp>
-          <p:nvSpPr>
-            <p:cNvPr id="15" name="Freeform 15"/>
-            <p:cNvSpPr/>
-            <p:nvPr/>
-          </p:nvSpPr>
-          <p:spPr>
-            <a:xfrm rot="-2700000">
-              <a:off x="-124706" y="1478676"/>
-              <a:ext cx="4872155" cy="1665391"/>
-            </a:xfrm>
-            <a:custGeom>
-              <a:avLst/>
-              <a:gdLst/>
-              <a:ahLst/>
-              <a:cxnLst/>
-              <a:rect l="l" t="t" r="r" b="b"/>
-              <a:pathLst>
-                <a:path w="4872155" h="1665391">
-                  <a:moveTo>
-                    <a:pt x="0" y="0"/>
-                  </a:moveTo>
-                  <a:lnTo>
-                    <a:pt x="4872155" y="0"/>
-                  </a:lnTo>
-                  <a:lnTo>
-                    <a:pt x="4872155" y="1665391"/>
-                  </a:lnTo>
-                  <a:lnTo>
-                    <a:pt x="0" y="1665391"/>
-                  </a:lnTo>
-                  <a:lnTo>
-                    <a:pt x="0" y="0"/>
-                  </a:lnTo>
-                  <a:close/>
-                </a:path>
-              </a:pathLst>
-            </a:custGeom>
-            <a:blipFill>
-              <a:blip r:embed="rId2">
-                <a:extLst>
-                  <a:ext uri="{96DAC541-7B7A-43D3-8B79-37D633B846F1}">
-                    <asvg:svgBlip xmlns:asvg="http://schemas.microsoft.com/office/drawing/2016/SVG/main" xmlns="" r:embed="rId4"/>
-                  </a:ext>
-                </a:extLst>
-              </a:blip>
-              <a:stretch>
-                <a:fillRect/>
-              </a:stretch>
-            </a:blipFill>
-          </p:spPr>
-        </p:sp>
-        <p:grpSp>
-          <p:nvGrpSpPr>
-            <p:cNvPr id="16" name="Group 16"/>
-            <p:cNvGrpSpPr/>
-            <p:nvPr/>
-          </p:nvGrpSpPr>
-          <p:grpSpPr>
-            <a:xfrm rot="8100000">
-              <a:off x="-106337" y="2577879"/>
-              <a:ext cx="4835418" cy="1702128"/>
-              <a:chOff x="0" y="0"/>
-              <a:chExt cx="954623" cy="336039"/>
-            </a:xfrm>
-          </p:grpSpPr>
-          <p:sp>
-            <p:nvSpPr>
-              <p:cNvPr id="17" name="Freeform 17"/>
-              <p:cNvSpPr/>
-              <p:nvPr/>
-            </p:nvSpPr>
-            <p:spPr>
-              <a:xfrm>
-                <a:off x="0" y="0"/>
-                <a:ext cx="954623" cy="336039"/>
-              </a:xfrm>
-              <a:custGeom>
-                <a:avLst/>
-                <a:gdLst/>
-                <a:ahLst/>
-                <a:cxnLst/>
-                <a:rect l="l" t="t" r="r" b="b"/>
-                <a:pathLst>
-                  <a:path w="954623" h="336039">
-                    <a:moveTo>
-                      <a:pt x="751423" y="0"/>
-                    </a:moveTo>
-                    <a:cubicBezTo>
-                      <a:pt x="863647" y="0"/>
-                      <a:pt x="954623" y="75225"/>
-                      <a:pt x="954623" y="168020"/>
-                    </a:cubicBezTo>
-                    <a:cubicBezTo>
-                      <a:pt x="954623" y="260814"/>
-                      <a:pt x="863647" y="336039"/>
-                      <a:pt x="751423" y="336039"/>
-                    </a:cubicBezTo>
-                    <a:lnTo>
-                      <a:pt x="203200" y="336039"/>
-                    </a:lnTo>
-                    <a:cubicBezTo>
-                      <a:pt x="90976" y="336039"/>
-                      <a:pt x="0" y="260814"/>
-                      <a:pt x="0" y="168020"/>
-                    </a:cubicBezTo>
-                    <a:cubicBezTo>
-                      <a:pt x="0" y="75225"/>
-                      <a:pt x="90976" y="0"/>
-                      <a:pt x="203200" y="0"/>
-                    </a:cubicBezTo>
-                    <a:close/>
-                  </a:path>
-                </a:pathLst>
-              </a:custGeom>
-              <a:solidFill>
-                <a:srgbClr val="1E293B"/>
-              </a:solidFill>
-              <a:ln cap="sq">
-                <a:noFill/>
-                <a:prstDash val="solid"/>
-                <a:miter/>
-              </a:ln>
-            </p:spPr>
-          </p:sp>
-          <p:sp>
-            <p:nvSpPr>
-              <p:cNvPr id="18" name="TextBox 18"/>
-              <p:cNvSpPr txBox="1"/>
-              <p:nvPr/>
-            </p:nvSpPr>
-            <p:spPr>
-              <a:xfrm>
-                <a:off x="0" y="-19050"/>
-                <a:ext cx="954623" cy="355089"/>
-              </a:xfrm>
-              <a:prstGeom prst="rect">
-                <a:avLst/>
-              </a:prstGeom>
-            </p:spPr>
-            <p:txBody>
-              <a:bodyPr lIns="18752" tIns="18752" rIns="18752" bIns="18752" rtlCol="0" anchor="ctr"/>
-              <a:lstStyle/>
-              <a:p>
-                <a:pPr marL="0" lvl="0" indent="0" algn="ctr">
-                  <a:lnSpc>
-                    <a:spcPts val="755"/>
-                  </a:lnSpc>
-                  <a:spcBef>
-                    <a:spcPct val="0"/>
-                  </a:spcBef>
-                </a:pPr>
-                <a:endParaRPr/>
-              </a:p>
-            </p:txBody>
-          </p:sp>
-        </p:grpSp>
-      </p:grpSp>
-      <p:pic>
-        <p:nvPicPr>
-          <p:cNvPr id="3" name="Picture 2"/>
-          <p:cNvPicPr>
-            <a:picLocks noChangeAspect="1"/>
-          </p:cNvPicPr>
-          <p:nvPr/>
-        </p:nvPicPr>
-        <p:blipFill>
-          <a:blip r:embed="rId5"/>
-          <a:stretch>
-            <a:fillRect/>
-          </a:stretch>
-        </p:blipFill>
-        <p:spPr>
-          <a:xfrm>
-            <a:off x="914400" y="419100"/>
-            <a:ext cx="11201400" cy="9587138"/>
-          </a:xfrm>
-          <a:prstGeom prst="rect">
-            <a:avLst/>
-          </a:prstGeom>
-        </p:spPr>
-      </p:pic>
-    </p:spTree>
   </p:cSld>
   <p:clrMapOvr>
     <a:masterClrMapping/>
